--- a/Приложение для стеганографии.pptx
+++ b/Приложение для стеганографии.pptx
@@ -543,6 +543,90 @@
     <p:extLst>
       <p:ext uri="{BB962C8B-B14F-4D97-AF65-F5344CB8AC3E}">
         <p14:creationId xmlns:p14="http://schemas.microsoft.com/office/powerpoint/2010/main" val="1234506309"/>
+      </p:ext>
+    </p:extLst>
+  </p:cSld>
+  <p:clrMapOvr>
+    <a:masterClrMapping/>
+  </p:clrMapOvr>
+</p:notes>
+</file>
+
+<file path=ppt/notesSlides/notesSlide2.xml><?xml version="1.0" encoding="utf-8"?>
+<p:notes xmlns:a="http://schemas.openxmlformats.org/drawingml/2006/main" xmlns:r="http://schemas.openxmlformats.org/officeDocument/2006/relationships" xmlns:p="http://schemas.openxmlformats.org/presentationml/2006/main">
+  <p:cSld>
+    <p:spTree>
+      <p:nvGrpSpPr>
+        <p:cNvPr id="1" name=""/>
+        <p:cNvGrpSpPr/>
+        <p:nvPr/>
+      </p:nvGrpSpPr>
+      <p:grpSpPr>
+        <a:xfrm>
+          <a:off x="0" y="0"/>
+          <a:ext cx="0" cy="0"/>
+          <a:chOff x="0" y="0"/>
+          <a:chExt cx="0" cy="0"/>
+        </a:xfrm>
+      </p:grpSpPr>
+      <p:sp>
+        <p:nvSpPr>
+          <p:cNvPr id="2" name="Образ слайда 1"/>
+          <p:cNvSpPr>
+            <a:spLocks noGrp="1" noRot="1" noChangeAspect="1"/>
+          </p:cNvSpPr>
+          <p:nvPr>
+            <p:ph type="sldImg"/>
+          </p:nvPr>
+        </p:nvSpPr>
+        <p:spPr/>
+      </p:sp>
+      <p:sp>
+        <p:nvSpPr>
+          <p:cNvPr id="3" name="Заметки 2"/>
+          <p:cNvSpPr>
+            <a:spLocks noGrp="1"/>
+          </p:cNvSpPr>
+          <p:nvPr>
+            <p:ph type="body" idx="1"/>
+          </p:nvPr>
+        </p:nvSpPr>
+        <p:spPr/>
+        <p:txBody>
+          <a:bodyPr/>
+          <a:lstStyle/>
+          <a:p>
+            <a:endParaRPr lang="ru-RU"/>
+          </a:p>
+        </p:txBody>
+      </p:sp>
+      <p:sp>
+        <p:nvSpPr>
+          <p:cNvPr id="4" name="Номер слайда 3"/>
+          <p:cNvSpPr>
+            <a:spLocks noGrp="1"/>
+          </p:cNvSpPr>
+          <p:nvPr>
+            <p:ph type="sldNum" sz="quarter" idx="5"/>
+          </p:nvPr>
+        </p:nvSpPr>
+        <p:spPr/>
+        <p:txBody>
+          <a:bodyPr/>
+          <a:lstStyle/>
+          <a:p>
+            <a:fld id="{675D2951-6EBA-47D2-859E-EE13208F6B73}" type="slidenum">
+              <a:rPr lang="ru-RU" smtClean="0"/>
+              <a:t>10</a:t>
+            </a:fld>
+            <a:endParaRPr lang="ru-RU"/>
+          </a:p>
+        </p:txBody>
+      </p:sp>
+    </p:spTree>
+    <p:extLst>
+      <p:ext uri="{BB962C8B-B14F-4D97-AF65-F5344CB8AC3E}">
+        <p14:creationId xmlns:p14="http://schemas.microsoft.com/office/powerpoint/2010/main" val="2749204624"/>
       </p:ext>
     </p:extLst>
   </p:cSld>
@@ -12977,6 +13061,55 @@
       </p:grpSpPr>
       <p:sp>
         <p:nvSpPr>
+          <p:cNvPr id="8" name="Прямоугольник 7">
+            <a:extLst>
+              <a:ext uri="{FF2B5EF4-FFF2-40B4-BE49-F238E27FC236}">
+                <a16:creationId xmlns:a16="http://schemas.microsoft.com/office/drawing/2014/main" id="{B8ABBA5E-1BE3-38E5-5374-A6D6BE11AC85}"/>
+              </a:ext>
+            </a:extLst>
+          </p:cNvPr>
+          <p:cNvSpPr/>
+          <p:nvPr/>
+        </p:nvSpPr>
+        <p:spPr>
+          <a:xfrm>
+            <a:off x="6236208" y="1042416"/>
+            <a:ext cx="4471416" cy="4425696"/>
+          </a:xfrm>
+          <a:prstGeom prst="rect">
+            <a:avLst/>
+          </a:prstGeom>
+          <a:solidFill>
+            <a:schemeClr val="tx1"/>
+          </a:solidFill>
+        </p:spPr>
+        <p:style>
+          <a:lnRef idx="2">
+            <a:schemeClr val="accent1">
+              <a:shade val="15000"/>
+            </a:schemeClr>
+          </a:lnRef>
+          <a:fillRef idx="1">
+            <a:schemeClr val="accent1"/>
+          </a:fillRef>
+          <a:effectRef idx="0">
+            <a:schemeClr val="accent1"/>
+          </a:effectRef>
+          <a:fontRef idx="minor">
+            <a:schemeClr val="lt1"/>
+          </a:fontRef>
+        </p:style>
+        <p:txBody>
+          <a:bodyPr rtlCol="0" anchor="ctr"/>
+          <a:lstStyle/>
+          <a:p>
+            <a:pPr algn="ctr"/>
+            <a:endParaRPr lang="ru-RU"/>
+          </a:p>
+        </p:txBody>
+      </p:sp>
+      <p:sp>
+        <p:nvSpPr>
           <p:cNvPr id="2" name="Заголовок 1">
             <a:extLst>
               <a:ext uri="{FF2B5EF4-FFF2-40B4-BE49-F238E27FC236}">
@@ -12991,37 +13124,62 @@
             <p:ph type="ctrTitle"/>
           </p:nvPr>
         </p:nvSpPr>
-        <p:spPr/>
+        <p:spPr>
+          <a:xfrm>
+            <a:off x="2048256" y="3000566"/>
+            <a:ext cx="3886200" cy="1315402"/>
+          </a:xfrm>
+        </p:spPr>
         <p:txBody>
-          <a:bodyPr/>
+          <a:bodyPr>
+            <a:normAutofit fontScale="90000"/>
+          </a:bodyPr>
           <a:lstStyle/>
           <a:p>
-            <a:endParaRPr lang="ru-RU" dirty="0"/>
+            <a:r>
+              <a:rPr lang="ru-RU" dirty="0"/>
+              <a:t>Скачать программу можно по ссылке или </a:t>
+            </a:r>
+            <a:r>
+              <a:rPr lang="en-US" dirty="0"/>
+              <a:t>QR-</a:t>
+            </a:r>
+            <a:r>
+              <a:rPr lang="ru-RU" dirty="0"/>
+              <a:t>коду</a:t>
+            </a:r>
           </a:p>
         </p:txBody>
       </p:sp>
       <p:sp>
         <p:nvSpPr>
-          <p:cNvPr id="3" name="Подзаголовок 2">
+          <p:cNvPr id="9" name="TextBox 8">
             <a:extLst>
               <a:ext uri="{FF2B5EF4-FFF2-40B4-BE49-F238E27FC236}">
-                <a16:creationId xmlns:a16="http://schemas.microsoft.com/office/drawing/2014/main" id="{810C7A73-AD4F-E084-27AA-13A7575B93C0}"/>
+                <a16:creationId xmlns:a16="http://schemas.microsoft.com/office/drawing/2014/main" id="{7B489CD3-37BF-8BF6-051F-8DDD7AA6DE0D}"/>
               </a:ext>
             </a:extLst>
           </p:cNvPr>
-          <p:cNvSpPr>
-            <a:spLocks noGrp="1"/>
-          </p:cNvSpPr>
-          <p:nvPr>
-            <p:ph type="subTitle" idx="1"/>
-          </p:nvPr>
+          <p:cNvSpPr txBox="1"/>
+          <p:nvPr/>
         </p:nvSpPr>
-        <p:spPr/>
+        <p:spPr>
+          <a:xfrm>
+            <a:off x="1664208" y="4500622"/>
+            <a:ext cx="4572000" cy="584775"/>
+          </a:xfrm>
+          <a:prstGeom prst="rect">
+            <a:avLst/>
+          </a:prstGeom>
+          <a:noFill/>
+        </p:spPr>
         <p:txBody>
-          <a:bodyPr/>
+          <a:bodyPr wrap="square" rtlCol="0">
+            <a:spAutoFit/>
+          </a:bodyPr>
           <a:lstStyle/>
           <a:p>
-            <a:endParaRPr lang="ru-RU"/>
+            <a:endParaRPr lang="ru-RU" sz="3200" dirty="0"/>
           </a:p>
         </p:txBody>
       </p:sp>
@@ -13073,11 +13231,13 @@
         </p:nvSpPr>
         <p:spPr/>
         <p:txBody>
-          <a:bodyPr/>
+          <a:bodyPr>
+            <a:normAutofit/>
+          </a:bodyPr>
           <a:lstStyle/>
           <a:p>
             <a:r>
-              <a:rPr lang="ru-RU" dirty="0"/>
+              <a:rPr lang="ru-RU" sz="4000" dirty="0"/>
               <a:t>Цели и задачи</a:t>
             </a:r>
           </a:p>
@@ -13106,11 +13266,13 @@
           </a:xfrm>
         </p:spPr>
         <p:txBody>
-          <a:bodyPr/>
+          <a:bodyPr>
+            <a:normAutofit/>
+          </a:bodyPr>
           <a:lstStyle/>
           <a:p>
             <a:r>
-              <a:rPr lang="ru-RU" dirty="0"/>
+              <a:rPr lang="ru-RU" sz="2800" dirty="0"/>
               <a:t>Реализовать приложение, в котором пользователь сможет прятать текст в изображениях, скрывая сам факт передачи информации. А также находить такой скрытый таким образом текст в изображениях.</a:t>
             </a:r>
           </a:p>

--- a/Приложение для стеганографии.pptx
+++ b/Приложение для стеганографии.pptx
@@ -5,7 +5,7 @@
     <p:sldMasterId id="2147483708" r:id="rId1"/>
   </p:sldMasterIdLst>
   <p:notesMasterIdLst>
-    <p:notesMasterId r:id="rId12"/>
+    <p:notesMasterId r:id="rId13"/>
   </p:notesMasterIdLst>
   <p:sldIdLst>
     <p:sldId id="256" r:id="rId2"/>
@@ -17,7 +17,8 @@
     <p:sldId id="263" r:id="rId8"/>
     <p:sldId id="264" r:id="rId9"/>
     <p:sldId id="257" r:id="rId10"/>
-    <p:sldId id="266" r:id="rId11"/>
+    <p:sldId id="267" r:id="rId11"/>
+    <p:sldId id="266" r:id="rId12"/>
   </p:sldIdLst>
   <p:sldSz cx="12192000" cy="6858000"/>
   <p:notesSz cx="6858000" cy="9144000"/>
@@ -116,6 +117,14 @@
       </a:defRPr>
     </a:lvl9pPr>
   </p:defaultTextStyle>
+  <p:extLst>
+    <p:ext uri="{EFAFB233-063F-42B5-8137-9DF3F51BA10A}">
+      <p15:sldGuideLst xmlns:p15="http://schemas.microsoft.com/office/powerpoint/2012/main"/>
+    </p:ext>
+    <p:ext uri="{2D200454-40CA-4A62-9FC3-DE9A4176ACB9}">
+      <p15:notesGuideLst xmlns:p15="http://schemas.microsoft.com/office/powerpoint/2012/main"/>
+    </p:ext>
+  </p:extLst>
 </p:presentation>
 </file>
 
@@ -617,7 +626,7 @@
           <a:p>
             <a:fld id="{675D2951-6EBA-47D2-859E-EE13208F6B73}" type="slidenum">
               <a:rPr lang="ru-RU" smtClean="0"/>
-              <a:t>10</a:t>
+              <a:t>11</a:t>
             </a:fld>
             <a:endParaRPr lang="ru-RU"/>
           </a:p>
@@ -13015,15 +13024,27 @@
           <a:lstStyle/>
           <a:p>
             <a:r>
-              <a:rPr lang="ru-RU" dirty="0"/>
+              <a:rPr lang="ru-RU" dirty="0">
+                <a:solidFill>
+                  <a:schemeClr val="tx1"/>
+                </a:solidFill>
+              </a:rPr>
               <a:t>Чугунов </a:t>
             </a:r>
             <a:r>
-              <a:rPr lang="ru-RU" dirty="0" err="1"/>
+              <a:rPr lang="ru-RU" dirty="0" err="1">
+                <a:solidFill>
+                  <a:schemeClr val="tx1"/>
+                </a:solidFill>
+              </a:rPr>
               <a:t>артём</a:t>
             </a:r>
             <a:r>
-              <a:rPr lang="ru-RU" dirty="0"/>
+              <a:rPr lang="ru-RU" dirty="0">
+                <a:solidFill>
+                  <a:schemeClr val="tx1"/>
+                </a:solidFill>
+              </a:rPr>
               <a:t> Сергеевич</a:t>
             </a:r>
           </a:p>
@@ -13043,6 +13064,149 @@
 </file>
 
 <file path=ppt/slides/slide10.xml><?xml version="1.0" encoding="utf-8"?>
+<p:sld xmlns:a="http://schemas.openxmlformats.org/drawingml/2006/main" xmlns:r="http://schemas.openxmlformats.org/officeDocument/2006/relationships" xmlns:p="http://schemas.openxmlformats.org/presentationml/2006/main">
+  <p:cSld>
+    <p:spTree>
+      <p:nvGrpSpPr>
+        <p:cNvPr id="1" name=""/>
+        <p:cNvGrpSpPr/>
+        <p:nvPr/>
+      </p:nvGrpSpPr>
+      <p:grpSpPr>
+        <a:xfrm>
+          <a:off x="0" y="0"/>
+          <a:ext cx="0" cy="0"/>
+          <a:chOff x="0" y="0"/>
+          <a:chExt cx="0" cy="0"/>
+        </a:xfrm>
+      </p:grpSpPr>
+      <p:sp>
+        <p:nvSpPr>
+          <p:cNvPr id="2" name="Заголовок 1">
+            <a:extLst>
+              <a:ext uri="{FF2B5EF4-FFF2-40B4-BE49-F238E27FC236}">
+                <a16:creationId xmlns:a16="http://schemas.microsoft.com/office/drawing/2014/main" id="{BB127477-95D7-4D06-8DFD-AF000E627C13}"/>
+              </a:ext>
+            </a:extLst>
+          </p:cNvPr>
+          <p:cNvSpPr>
+            <a:spLocks noGrp="1"/>
+          </p:cNvSpPr>
+          <p:nvPr>
+            <p:ph type="title"/>
+          </p:nvPr>
+        </p:nvSpPr>
+        <p:spPr/>
+        <p:txBody>
+          <a:bodyPr/>
+          <a:lstStyle/>
+          <a:p>
+            <a:r>
+              <a:rPr lang="ru-RU" dirty="0"/>
+              <a:t>Итоги</a:t>
+            </a:r>
+          </a:p>
+        </p:txBody>
+      </p:sp>
+      <p:sp>
+        <p:nvSpPr>
+          <p:cNvPr id="7" name="Объект 6">
+            <a:extLst>
+              <a:ext uri="{FF2B5EF4-FFF2-40B4-BE49-F238E27FC236}">
+                <a16:creationId xmlns:a16="http://schemas.microsoft.com/office/drawing/2014/main" id="{5B571A1C-0873-4EEF-A024-CAB50176343B}"/>
+              </a:ext>
+            </a:extLst>
+          </p:cNvPr>
+          <p:cNvSpPr>
+            <a:spLocks noGrp="1"/>
+          </p:cNvSpPr>
+          <p:nvPr>
+            <p:ph idx="1"/>
+          </p:nvPr>
+        </p:nvSpPr>
+        <p:spPr>
+          <a:xfrm>
+            <a:off x="1141413" y="1787371"/>
+            <a:ext cx="6586742" cy="3541714"/>
+          </a:xfrm>
+        </p:spPr>
+        <p:txBody>
+          <a:bodyPr>
+            <a:normAutofit/>
+          </a:bodyPr>
+          <a:lstStyle/>
+          <a:p>
+            <a:pPr marL="0" indent="0">
+              <a:buNone/>
+            </a:pPr>
+            <a:r>
+              <a:rPr lang="ru-RU" sz="3600" dirty="0"/>
+              <a:t>Я создал программу для сокрытия текста в изображениях с возможностью его расшифровки с помощью стеганографии.</a:t>
+            </a:r>
+          </a:p>
+        </p:txBody>
+      </p:sp>
+      <p:pic>
+        <p:nvPicPr>
+          <p:cNvPr id="1028" name="Picture 4" descr="События">
+            <a:extLst>
+              <a:ext uri="{FF2B5EF4-FFF2-40B4-BE49-F238E27FC236}">
+                <a16:creationId xmlns:a16="http://schemas.microsoft.com/office/drawing/2014/main" id="{8F128ED5-1290-4EE6-B544-10E5938AE793}"/>
+              </a:ext>
+            </a:extLst>
+          </p:cNvPr>
+          <p:cNvPicPr>
+            <a:picLocks noChangeAspect="1" noChangeArrowheads="1"/>
+          </p:cNvPicPr>
+          <p:nvPr/>
+        </p:nvPicPr>
+        <p:blipFill>
+          <a:blip r:embed="rId2">
+            <a:extLst>
+              <a:ext uri="{28A0092B-C50C-407E-A947-70E740481C1C}">
+                <a14:useLocalDpi xmlns:a14="http://schemas.microsoft.com/office/drawing/2010/main" val="0"/>
+              </a:ext>
+            </a:extLst>
+          </a:blip>
+          <a:srcRect/>
+          <a:stretch>
+            <a:fillRect/>
+          </a:stretch>
+        </p:blipFill>
+        <p:spPr bwMode="auto">
+          <a:xfrm>
+            <a:off x="7816645" y="1460126"/>
+            <a:ext cx="3971309" cy="3937748"/>
+          </a:xfrm>
+          <a:prstGeom prst="rect">
+            <a:avLst/>
+          </a:prstGeom>
+          <a:noFill/>
+          <a:extLst>
+            <a:ext uri="{909E8E84-426E-40DD-AFC4-6F175D3DCCD1}">
+              <a14:hiddenFill xmlns:a14="http://schemas.microsoft.com/office/drawing/2010/main">
+                <a:solidFill>
+                  <a:srgbClr val="FFFFFF"/>
+                </a:solidFill>
+              </a14:hiddenFill>
+            </a:ext>
+          </a:extLst>
+        </p:spPr>
+      </p:pic>
+    </p:spTree>
+    <p:extLst>
+      <p:ext uri="{BB962C8B-B14F-4D97-AF65-F5344CB8AC3E}">
+        <p14:creationId xmlns:p14="http://schemas.microsoft.com/office/powerpoint/2010/main" val="66983639"/>
+      </p:ext>
+    </p:extLst>
+  </p:cSld>
+  <p:clrMapOvr>
+    <a:masterClrMapping/>
+  </p:clrMapOvr>
+</p:sld>
+</file>
+
+<file path=ppt/slides/slide11.xml><?xml version="1.0" encoding="utf-8"?>
 <p:sld xmlns:a="http://schemas.openxmlformats.org/drawingml/2006/main" xmlns:r="http://schemas.openxmlformats.org/officeDocument/2006/relationships" xmlns:p="http://schemas.openxmlformats.org/presentationml/2006/main">
   <p:cSld>
     <p:spTree>

--- a/Приложение для стеганографии.pptx
+++ b/Приложение для стеганографии.pptx
@@ -695,7 +695,7 @@
           <a:noFill/>
           <a:extLst>
             <a:ext uri="{909E8E84-426E-40dd-AFC4-6F175D3DCCD1}">
-              <a14:hiddenFill xmlns:a14="http://schemas.microsoft.com/office/drawing/2010/main" xmlns="">
+              <a14:hiddenFill xmlns="" xmlns:a14="http://schemas.microsoft.com/office/drawing/2010/main">
                 <a:solidFill>
                   <a:srgbClr val="FFFFFF"/>
                 </a:solidFill>
@@ -755,7 +755,7 @@
             </a:ln>
             <a:extLst>
               <a:ext uri="{91240B29-F687-4f45-9708-019B960494DF}">
-                <a14:hiddenLine xmlns:a14="http://schemas.microsoft.com/office/drawing/2010/main" xmlns="" w="9525">
+                <a14:hiddenLine xmlns="" xmlns:a14="http://schemas.microsoft.com/office/drawing/2010/main" w="9525">
                   <a:solidFill>
                     <a:srgbClr val="000000"/>
                   </a:solidFill>
@@ -845,7 +845,7 @@
             </a:ln>
             <a:extLst>
               <a:ext uri="{91240B29-F687-4f45-9708-019B960494DF}">
-                <a14:hiddenLine xmlns:a14="http://schemas.microsoft.com/office/drawing/2010/main" xmlns="" w="9525">
+                <a14:hiddenLine xmlns="" xmlns:a14="http://schemas.microsoft.com/office/drawing/2010/main" w="9525">
                   <a:solidFill>
                     <a:srgbClr val="000000"/>
                   </a:solidFill>
@@ -935,7 +935,7 @@
             </a:ln>
             <a:extLst>
               <a:ext uri="{91240B29-F687-4f45-9708-019B960494DF}">
-                <a14:hiddenLine xmlns:a14="http://schemas.microsoft.com/office/drawing/2010/main" xmlns="" w="9525">
+                <a14:hiddenLine xmlns="" xmlns:a14="http://schemas.microsoft.com/office/drawing/2010/main" w="9525">
                   <a:solidFill>
                     <a:srgbClr val="000000"/>
                   </a:solidFill>
@@ -969,7 +969,7 @@
             </a:ln>
             <a:extLst>
               <a:ext uri="{91240B29-F687-4f45-9708-019B960494DF}">
-                <a14:hiddenLine xmlns:a14="http://schemas.microsoft.com/office/drawing/2010/main" xmlns="" w="9525">
+                <a14:hiddenLine xmlns="" xmlns:a14="http://schemas.microsoft.com/office/drawing/2010/main" w="9525">
                   <a:solidFill>
                     <a:srgbClr val="000000"/>
                   </a:solidFill>
@@ -1059,7 +1059,7 @@
             </a:ln>
             <a:extLst>
               <a:ext uri="{91240B29-F687-4f45-9708-019B960494DF}">
-                <a14:hiddenLine xmlns:a14="http://schemas.microsoft.com/office/drawing/2010/main" xmlns="" w="9525">
+                <a14:hiddenLine xmlns="" xmlns:a14="http://schemas.microsoft.com/office/drawing/2010/main" w="9525">
                   <a:solidFill>
                     <a:srgbClr val="000000"/>
                   </a:solidFill>
@@ -1121,7 +1121,7 @@
             </a:ln>
             <a:extLst>
               <a:ext uri="{91240B29-F687-4f45-9708-019B960494DF}">
-                <a14:hiddenLine xmlns:a14="http://schemas.microsoft.com/office/drawing/2010/main" xmlns="" w="9525">
+                <a14:hiddenLine xmlns="" xmlns:a14="http://schemas.microsoft.com/office/drawing/2010/main" w="9525">
                   <a:solidFill>
                     <a:srgbClr val="000000"/>
                   </a:solidFill>
@@ -1183,7 +1183,7 @@
             </a:ln>
             <a:extLst>
               <a:ext uri="{91240B29-F687-4f45-9708-019B960494DF}">
-                <a14:hiddenLine xmlns:a14="http://schemas.microsoft.com/office/drawing/2010/main" xmlns="" w="9525">
+                <a14:hiddenLine xmlns="" xmlns:a14="http://schemas.microsoft.com/office/drawing/2010/main" w="9525">
                   <a:solidFill>
                     <a:srgbClr val="000000"/>
                   </a:solidFill>
@@ -1273,7 +1273,7 @@
             </a:ln>
             <a:extLst>
               <a:ext uri="{91240B29-F687-4f45-9708-019B960494DF}">
-                <a14:hiddenLine xmlns:a14="http://schemas.microsoft.com/office/drawing/2010/main" xmlns="" w="9525">
+                <a14:hiddenLine xmlns="" xmlns:a14="http://schemas.microsoft.com/office/drawing/2010/main" w="9525">
                   <a:solidFill>
                     <a:srgbClr val="000000"/>
                   </a:solidFill>
@@ -1335,7 +1335,7 @@
             </a:ln>
             <a:extLst>
               <a:ext uri="{91240B29-F687-4f45-9708-019B960494DF}">
-                <a14:hiddenLine xmlns:a14="http://schemas.microsoft.com/office/drawing/2010/main" xmlns="" w="9525">
+                <a14:hiddenLine xmlns="" xmlns:a14="http://schemas.microsoft.com/office/drawing/2010/main" w="9525">
                   <a:solidFill>
                     <a:srgbClr val="000000"/>
                   </a:solidFill>
@@ -1397,7 +1397,7 @@
             </a:ln>
             <a:extLst>
               <a:ext uri="{91240B29-F687-4f45-9708-019B960494DF}">
-                <a14:hiddenLine xmlns:a14="http://schemas.microsoft.com/office/drawing/2010/main" xmlns="" w="9525">
+                <a14:hiddenLine xmlns="" xmlns:a14="http://schemas.microsoft.com/office/drawing/2010/main" w="9525">
                   <a:solidFill>
                     <a:srgbClr val="000000"/>
                   </a:solidFill>
@@ -1487,7 +1487,7 @@
             </a:ln>
             <a:extLst>
               <a:ext uri="{91240B29-F687-4f45-9708-019B960494DF}">
-                <a14:hiddenLine xmlns:a14="http://schemas.microsoft.com/office/drawing/2010/main" xmlns="" w="9525">
+                <a14:hiddenLine xmlns="" xmlns:a14="http://schemas.microsoft.com/office/drawing/2010/main" w="9525">
                   <a:solidFill>
                     <a:srgbClr val="000000"/>
                   </a:solidFill>
@@ -1577,7 +1577,7 @@
             </a:ln>
             <a:extLst>
               <a:ext uri="{91240B29-F687-4f45-9708-019B960494DF}">
-                <a14:hiddenLine xmlns:a14="http://schemas.microsoft.com/office/drawing/2010/main" xmlns="" w="9525">
+                <a14:hiddenLine xmlns="" xmlns:a14="http://schemas.microsoft.com/office/drawing/2010/main" w="9525">
                   <a:solidFill>
                     <a:srgbClr val="000000"/>
                   </a:solidFill>
@@ -1639,7 +1639,7 @@
             </a:ln>
             <a:extLst>
               <a:ext uri="{91240B29-F687-4f45-9708-019B960494DF}">
-                <a14:hiddenLine xmlns:a14="http://schemas.microsoft.com/office/drawing/2010/main" xmlns="" w="9525">
+                <a14:hiddenLine xmlns="" xmlns:a14="http://schemas.microsoft.com/office/drawing/2010/main" w="9525">
                   <a:solidFill>
                     <a:srgbClr val="000000"/>
                   </a:solidFill>
@@ -1749,7 +1749,7 @@
             </a:ln>
             <a:extLst>
               <a:ext uri="{91240B29-F687-4f45-9708-019B960494DF}">
-                <a14:hiddenLine xmlns:a14="http://schemas.microsoft.com/office/drawing/2010/main" xmlns="" w="9525">
+                <a14:hiddenLine xmlns="" xmlns:a14="http://schemas.microsoft.com/office/drawing/2010/main" w="9525">
                   <a:solidFill>
                     <a:srgbClr val="000000"/>
                   </a:solidFill>
@@ -1811,7 +1811,7 @@
             </a:ln>
             <a:extLst>
               <a:ext uri="{91240B29-F687-4f45-9708-019B960494DF}">
-                <a14:hiddenLine xmlns:a14="http://schemas.microsoft.com/office/drawing/2010/main" xmlns="" w="9525">
+                <a14:hiddenLine xmlns="" xmlns:a14="http://schemas.microsoft.com/office/drawing/2010/main" w="9525">
                   <a:solidFill>
                     <a:srgbClr val="000000"/>
                   </a:solidFill>
@@ -1901,7 +1901,7 @@
             </a:ln>
             <a:extLst>
               <a:ext uri="{91240B29-F687-4f45-9708-019B960494DF}">
-                <a14:hiddenLine xmlns:a14="http://schemas.microsoft.com/office/drawing/2010/main" xmlns="" w="9525">
+                <a14:hiddenLine xmlns="" xmlns:a14="http://schemas.microsoft.com/office/drawing/2010/main" w="9525">
                   <a:solidFill>
                     <a:srgbClr val="000000"/>
                   </a:solidFill>
@@ -1991,7 +1991,7 @@
             </a:ln>
             <a:extLst>
               <a:ext uri="{91240B29-F687-4f45-9708-019B960494DF}">
-                <a14:hiddenLine xmlns:a14="http://schemas.microsoft.com/office/drawing/2010/main" xmlns="" w="9525">
+                <a14:hiddenLine xmlns="" xmlns:a14="http://schemas.microsoft.com/office/drawing/2010/main" w="9525">
                   <a:solidFill>
                     <a:srgbClr val="000000"/>
                   </a:solidFill>
@@ -2053,7 +2053,7 @@
             </a:ln>
             <a:extLst>
               <a:ext uri="{91240B29-F687-4f45-9708-019B960494DF}">
-                <a14:hiddenLine xmlns:a14="http://schemas.microsoft.com/office/drawing/2010/main" xmlns="" w="9525">
+                <a14:hiddenLine xmlns="" xmlns:a14="http://schemas.microsoft.com/office/drawing/2010/main" w="9525">
                   <a:solidFill>
                     <a:srgbClr val="000000"/>
                   </a:solidFill>
@@ -2143,7 +2143,7 @@
             </a:ln>
             <a:extLst>
               <a:ext uri="{91240B29-F687-4f45-9708-019B960494DF}">
-                <a14:hiddenLine xmlns:a14="http://schemas.microsoft.com/office/drawing/2010/main" xmlns="" w="9525">
+                <a14:hiddenLine xmlns="" xmlns:a14="http://schemas.microsoft.com/office/drawing/2010/main" w="9525">
                   <a:solidFill>
                     <a:srgbClr val="000000"/>
                   </a:solidFill>
@@ -2233,7 +2233,7 @@
             </a:ln>
             <a:extLst>
               <a:ext uri="{91240B29-F687-4f45-9708-019B960494DF}">
-                <a14:hiddenLine xmlns:a14="http://schemas.microsoft.com/office/drawing/2010/main" xmlns="" w="9525">
+                <a14:hiddenLine xmlns="" xmlns:a14="http://schemas.microsoft.com/office/drawing/2010/main" w="9525">
                   <a:solidFill>
                     <a:srgbClr val="000000"/>
                   </a:solidFill>
@@ -2289,7 +2289,7 @@
             </a:ln>
             <a:extLst>
               <a:ext uri="{91240B29-F687-4f45-9708-019B960494DF}">
-                <a14:hiddenLine xmlns:a14="http://schemas.microsoft.com/office/drawing/2010/main" xmlns="" w="9525">
+                <a14:hiddenLine xmlns="" xmlns:a14="http://schemas.microsoft.com/office/drawing/2010/main" w="9525">
                   <a:solidFill>
                     <a:srgbClr val="000000"/>
                   </a:solidFill>
@@ -2379,7 +2379,7 @@
             </a:ln>
             <a:extLst>
               <a:ext uri="{91240B29-F687-4f45-9708-019B960494DF}">
-                <a14:hiddenLine xmlns:a14="http://schemas.microsoft.com/office/drawing/2010/main" xmlns="" w="9525">
+                <a14:hiddenLine xmlns="" xmlns:a14="http://schemas.microsoft.com/office/drawing/2010/main" w="9525">
                   <a:solidFill>
                     <a:srgbClr val="000000"/>
                   </a:solidFill>
@@ -2435,7 +2435,7 @@
             </a:ln>
             <a:extLst>
               <a:ext uri="{91240B29-F687-4f45-9708-019B960494DF}">
-                <a14:hiddenLine xmlns:a14="http://schemas.microsoft.com/office/drawing/2010/main" xmlns="" w="9525">
+                <a14:hiddenLine xmlns="" xmlns:a14="http://schemas.microsoft.com/office/drawing/2010/main" w="9525">
                   <a:solidFill>
                     <a:srgbClr val="000000"/>
                   </a:solidFill>
@@ -2525,7 +2525,7 @@
             </a:ln>
             <a:extLst>
               <a:ext uri="{91240B29-F687-4f45-9708-019B960494DF}">
-                <a14:hiddenLine xmlns:a14="http://schemas.microsoft.com/office/drawing/2010/main" xmlns="" w="9525">
+                <a14:hiddenLine xmlns="" xmlns:a14="http://schemas.microsoft.com/office/drawing/2010/main" w="9525">
                   <a:solidFill>
                     <a:srgbClr val="000000"/>
                   </a:solidFill>
@@ -2593,7 +2593,7 @@
             </a:ln>
             <a:extLst>
               <a:ext uri="{91240B29-F687-4f45-9708-019B960494DF}">
-                <a14:hiddenLine xmlns:a14="http://schemas.microsoft.com/office/drawing/2010/main" xmlns="" w="9525">
+                <a14:hiddenLine xmlns="" xmlns:a14="http://schemas.microsoft.com/office/drawing/2010/main" w="9525">
                   <a:solidFill>
                     <a:srgbClr val="000000"/>
                   </a:solidFill>
@@ -2683,7 +2683,7 @@
             </a:ln>
             <a:extLst>
               <a:ext uri="{91240B29-F687-4f45-9708-019B960494DF}">
-                <a14:hiddenLine xmlns:a14="http://schemas.microsoft.com/office/drawing/2010/main" xmlns="" w="9525">
+                <a14:hiddenLine xmlns="" xmlns:a14="http://schemas.microsoft.com/office/drawing/2010/main" w="9525">
                   <a:solidFill>
                     <a:srgbClr val="000000"/>
                   </a:solidFill>
@@ -2751,7 +2751,7 @@
             </a:ln>
             <a:extLst>
               <a:ext uri="{91240B29-F687-4f45-9708-019B960494DF}">
-                <a14:hiddenLine xmlns:a14="http://schemas.microsoft.com/office/drawing/2010/main" xmlns="" w="9525">
+                <a14:hiddenLine xmlns="" xmlns:a14="http://schemas.microsoft.com/office/drawing/2010/main" w="9525">
                   <a:solidFill>
                     <a:srgbClr val="000000"/>
                   </a:solidFill>
@@ -2841,7 +2841,7 @@
             </a:ln>
             <a:extLst>
               <a:ext uri="{91240B29-F687-4f45-9708-019B960494DF}">
-                <a14:hiddenLine xmlns:a14="http://schemas.microsoft.com/office/drawing/2010/main" xmlns="" w="9525">
+                <a14:hiddenLine xmlns="" xmlns:a14="http://schemas.microsoft.com/office/drawing/2010/main" w="9525">
                   <a:solidFill>
                     <a:srgbClr val="000000"/>
                   </a:solidFill>
@@ -2875,7 +2875,7 @@
             </a:ln>
             <a:extLst>
               <a:ext uri="{91240B29-F687-4f45-9708-019B960494DF}">
-                <a14:hiddenLine xmlns:a14="http://schemas.microsoft.com/office/drawing/2010/main" xmlns="" w="9525">
+                <a14:hiddenLine xmlns="" xmlns:a14="http://schemas.microsoft.com/office/drawing/2010/main" w="9525">
                   <a:solidFill>
                     <a:srgbClr val="000000"/>
                   </a:solidFill>
@@ -2965,7 +2965,7 @@
             </a:ln>
             <a:extLst>
               <a:ext uri="{91240B29-F687-4f45-9708-019B960494DF}">
-                <a14:hiddenLine xmlns:a14="http://schemas.microsoft.com/office/drawing/2010/main" xmlns="" w="9525">
+                <a14:hiddenLine xmlns="" xmlns:a14="http://schemas.microsoft.com/office/drawing/2010/main" w="9525">
                   <a:solidFill>
                     <a:srgbClr val="000000"/>
                   </a:solidFill>
@@ -3027,7 +3027,7 @@
             </a:ln>
             <a:extLst>
               <a:ext uri="{91240B29-F687-4f45-9708-019B960494DF}">
-                <a14:hiddenLine xmlns:a14="http://schemas.microsoft.com/office/drawing/2010/main" xmlns="" w="9525">
+                <a14:hiddenLine xmlns="" xmlns:a14="http://schemas.microsoft.com/office/drawing/2010/main" w="9525">
                   <a:solidFill>
                     <a:srgbClr val="000000"/>
                   </a:solidFill>
@@ -3089,7 +3089,7 @@
             </a:ln>
             <a:extLst>
               <a:ext uri="{91240B29-F687-4f45-9708-019B960494DF}">
-                <a14:hiddenLine xmlns:a14="http://schemas.microsoft.com/office/drawing/2010/main" xmlns="" w="9525">
+                <a14:hiddenLine xmlns="" xmlns:a14="http://schemas.microsoft.com/office/drawing/2010/main" w="9525">
                   <a:solidFill>
                     <a:srgbClr val="000000"/>
                   </a:solidFill>
@@ -3179,7 +3179,7 @@
             </a:ln>
             <a:extLst>
               <a:ext uri="{91240B29-F687-4f45-9708-019B960494DF}">
-                <a14:hiddenLine xmlns:a14="http://schemas.microsoft.com/office/drawing/2010/main" xmlns="" w="9525">
+                <a14:hiddenLine xmlns="" xmlns:a14="http://schemas.microsoft.com/office/drawing/2010/main" w="9525">
                   <a:solidFill>
                     <a:srgbClr val="000000"/>
                   </a:solidFill>
@@ -3247,7 +3247,7 @@
             </a:ln>
             <a:extLst>
               <a:ext uri="{91240B29-F687-4f45-9708-019B960494DF}">
-                <a14:hiddenLine xmlns:a14="http://schemas.microsoft.com/office/drawing/2010/main" xmlns="" w="9525">
+                <a14:hiddenLine xmlns="" xmlns:a14="http://schemas.microsoft.com/office/drawing/2010/main" w="9525">
                   <a:solidFill>
                     <a:srgbClr val="000000"/>
                   </a:solidFill>
@@ -3309,7 +3309,7 @@
             </a:ln>
             <a:extLst>
               <a:ext uri="{91240B29-F687-4f45-9708-019B960494DF}">
-                <a14:hiddenLine xmlns:a14="http://schemas.microsoft.com/office/drawing/2010/main" xmlns="" w="9525">
+                <a14:hiddenLine xmlns="" xmlns:a14="http://schemas.microsoft.com/office/drawing/2010/main" w="9525">
                   <a:solidFill>
                     <a:srgbClr val="000000"/>
                   </a:solidFill>
@@ -3399,7 +3399,7 @@
             </a:ln>
             <a:extLst>
               <a:ext uri="{91240B29-F687-4f45-9708-019B960494DF}">
-                <a14:hiddenLine xmlns:a14="http://schemas.microsoft.com/office/drawing/2010/main" xmlns="" w="9525">
+                <a14:hiddenLine xmlns="" xmlns:a14="http://schemas.microsoft.com/office/drawing/2010/main" w="9525">
                   <a:solidFill>
                     <a:srgbClr val="000000"/>
                   </a:solidFill>
@@ -3461,7 +3461,7 @@
             </a:ln>
             <a:extLst>
               <a:ext uri="{91240B29-F687-4f45-9708-019B960494DF}">
-                <a14:hiddenLine xmlns:a14="http://schemas.microsoft.com/office/drawing/2010/main" xmlns="" w="9525">
+                <a14:hiddenLine xmlns="" xmlns:a14="http://schemas.microsoft.com/office/drawing/2010/main" w="9525">
                   <a:solidFill>
                     <a:srgbClr val="000000"/>
                   </a:solidFill>
@@ -3551,7 +3551,7 @@
             </a:ln>
             <a:extLst>
               <a:ext uri="{91240B29-F687-4f45-9708-019B960494DF}">
-                <a14:hiddenLine xmlns:a14="http://schemas.microsoft.com/office/drawing/2010/main" xmlns="" w="9525">
+                <a14:hiddenLine xmlns="" xmlns:a14="http://schemas.microsoft.com/office/drawing/2010/main" w="9525">
                   <a:solidFill>
                     <a:srgbClr val="000000"/>
                   </a:solidFill>
@@ -3613,7 +3613,7 @@
             </a:ln>
             <a:extLst>
               <a:ext uri="{91240B29-F687-4f45-9708-019B960494DF}">
-                <a14:hiddenLine xmlns:a14="http://schemas.microsoft.com/office/drawing/2010/main" xmlns="" w="9525">
+                <a14:hiddenLine xmlns="" xmlns:a14="http://schemas.microsoft.com/office/drawing/2010/main" w="9525">
                   <a:solidFill>
                     <a:srgbClr val="000000"/>
                   </a:solidFill>
@@ -3703,7 +3703,7 @@
             </a:ln>
             <a:extLst>
               <a:ext uri="{91240B29-F687-4f45-9708-019B960494DF}">
-                <a14:hiddenLine xmlns:a14="http://schemas.microsoft.com/office/drawing/2010/main" xmlns="" w="9525">
+                <a14:hiddenLine xmlns="" xmlns:a14="http://schemas.microsoft.com/office/drawing/2010/main" w="9525">
                   <a:solidFill>
                     <a:srgbClr val="000000"/>
                   </a:solidFill>
@@ -3737,7 +3737,7 @@
             </a:ln>
             <a:extLst>
               <a:ext uri="{91240B29-F687-4f45-9708-019B960494DF}">
-                <a14:hiddenLine xmlns:a14="http://schemas.microsoft.com/office/drawing/2010/main" xmlns="" w="9525">
+                <a14:hiddenLine xmlns="" xmlns:a14="http://schemas.microsoft.com/office/drawing/2010/main" w="9525">
                   <a:solidFill>
                     <a:srgbClr val="000000"/>
                   </a:solidFill>
@@ -3802,7 +3802,7 @@
             </a:ln>
             <a:extLst>
               <a:ext uri="{91240B29-F687-4f45-9708-019B960494DF}">
-                <a14:hiddenLine xmlns:a14="http://schemas.microsoft.com/office/drawing/2010/main" xmlns="" w="9525">
+                <a14:hiddenLine xmlns="" xmlns:a14="http://schemas.microsoft.com/office/drawing/2010/main" w="9525">
                   <a:solidFill>
                     <a:srgbClr val="000000"/>
                   </a:solidFill>
@@ -3892,7 +3892,7 @@
             </a:ln>
             <a:extLst>
               <a:ext uri="{91240B29-F687-4f45-9708-019B960494DF}">
-                <a14:hiddenLine xmlns:a14="http://schemas.microsoft.com/office/drawing/2010/main" xmlns="" w="9525">
+                <a14:hiddenLine xmlns="" xmlns:a14="http://schemas.microsoft.com/office/drawing/2010/main" w="9525">
                   <a:solidFill>
                     <a:srgbClr val="000000"/>
                   </a:solidFill>
@@ -3954,7 +3954,7 @@
             </a:ln>
             <a:extLst>
               <a:ext uri="{91240B29-F687-4f45-9708-019B960494DF}">
-                <a14:hiddenLine xmlns:a14="http://schemas.microsoft.com/office/drawing/2010/main" xmlns="" w="9525">
+                <a14:hiddenLine xmlns="" xmlns:a14="http://schemas.microsoft.com/office/drawing/2010/main" w="9525">
                   <a:solidFill>
                     <a:srgbClr val="000000"/>
                   </a:solidFill>
@@ -4044,7 +4044,7 @@
             </a:ln>
             <a:extLst>
               <a:ext uri="{91240B29-F687-4f45-9708-019B960494DF}">
-                <a14:hiddenLine xmlns:a14="http://schemas.microsoft.com/office/drawing/2010/main" xmlns="" w="9525">
+                <a14:hiddenLine xmlns="" xmlns:a14="http://schemas.microsoft.com/office/drawing/2010/main" w="9525">
                   <a:solidFill>
                     <a:srgbClr val="000000"/>
                   </a:solidFill>
@@ -4134,7 +4134,7 @@
             </a:ln>
             <a:extLst>
               <a:ext uri="{91240B29-F687-4f45-9708-019B960494DF}">
-                <a14:hiddenLine xmlns:a14="http://schemas.microsoft.com/office/drawing/2010/main" xmlns="" w="9525">
+                <a14:hiddenLine xmlns="" xmlns:a14="http://schemas.microsoft.com/office/drawing/2010/main" w="9525">
                   <a:solidFill>
                     <a:srgbClr val="000000"/>
                   </a:solidFill>
@@ -4199,7 +4199,7 @@
             </a:ln>
             <a:extLst>
               <a:ext uri="{91240B29-F687-4f45-9708-019B960494DF}">
-                <a14:hiddenLine xmlns:a14="http://schemas.microsoft.com/office/drawing/2010/main" xmlns="" w="9525">
+                <a14:hiddenLine xmlns="" xmlns:a14="http://schemas.microsoft.com/office/drawing/2010/main" w="9525">
                   <a:solidFill>
                     <a:srgbClr val="000000"/>
                   </a:solidFill>
@@ -4261,7 +4261,7 @@
             </a:ln>
             <a:extLst>
               <a:ext uri="{91240B29-F687-4f45-9708-019B960494DF}">
-                <a14:hiddenLine xmlns:a14="http://schemas.microsoft.com/office/drawing/2010/main" xmlns="" w="9525">
+                <a14:hiddenLine xmlns="" xmlns:a14="http://schemas.microsoft.com/office/drawing/2010/main" w="9525">
                   <a:solidFill>
                     <a:srgbClr val="000000"/>
                   </a:solidFill>
@@ -4351,7 +4351,7 @@
             </a:ln>
             <a:extLst>
               <a:ext uri="{91240B29-F687-4f45-9708-019B960494DF}">
-                <a14:hiddenLine xmlns:a14="http://schemas.microsoft.com/office/drawing/2010/main" xmlns="" w="9525">
+                <a14:hiddenLine xmlns="" xmlns:a14="http://schemas.microsoft.com/office/drawing/2010/main" w="9525">
                   <a:solidFill>
                     <a:srgbClr val="000000"/>
                   </a:solidFill>
@@ -4441,7 +4441,7 @@
             </a:ln>
             <a:extLst>
               <a:ext uri="{91240B29-F687-4f45-9708-019B960494DF}">
-                <a14:hiddenLine xmlns:a14="http://schemas.microsoft.com/office/drawing/2010/main" xmlns="" w="9525">
+                <a14:hiddenLine xmlns="" xmlns:a14="http://schemas.microsoft.com/office/drawing/2010/main" w="9525">
                   <a:solidFill>
                     <a:srgbClr val="000000"/>
                   </a:solidFill>
@@ -4503,7 +4503,7 @@
             </a:ln>
             <a:extLst>
               <a:ext uri="{91240B29-F687-4f45-9708-019B960494DF}">
-                <a14:hiddenLine xmlns:a14="http://schemas.microsoft.com/office/drawing/2010/main" xmlns="" w="9525">
+                <a14:hiddenLine xmlns="" xmlns:a14="http://schemas.microsoft.com/office/drawing/2010/main" w="9525">
                   <a:solidFill>
                     <a:srgbClr val="000000"/>
                   </a:solidFill>
@@ -4623,7 +4623,7 @@
             </a:ln>
             <a:extLst>
               <a:ext uri="{91240B29-F687-4f45-9708-019B960494DF}">
-                <a14:hiddenLine xmlns:a14="http://schemas.microsoft.com/office/drawing/2010/main" xmlns="" w="9525">
+                <a14:hiddenLine xmlns="" xmlns:a14="http://schemas.microsoft.com/office/drawing/2010/main" w="9525">
                   <a:solidFill>
                     <a:srgbClr val="000000"/>
                   </a:solidFill>
@@ -4691,7 +4691,7 @@
             </a:ln>
             <a:extLst>
               <a:ext uri="{91240B29-F687-4f45-9708-019B960494DF}">
-                <a14:hiddenLine xmlns:a14="http://schemas.microsoft.com/office/drawing/2010/main" xmlns="" w="9525">
+                <a14:hiddenLine xmlns="" xmlns:a14="http://schemas.microsoft.com/office/drawing/2010/main" w="9525">
                   <a:solidFill>
                     <a:srgbClr val="000000"/>
                   </a:solidFill>
@@ -4781,7 +4781,7 @@
             </a:ln>
             <a:extLst>
               <a:ext uri="{91240B29-F687-4f45-9708-019B960494DF}">
-                <a14:hiddenLine xmlns:a14="http://schemas.microsoft.com/office/drawing/2010/main" xmlns="" w="9525">
+                <a14:hiddenLine xmlns="" xmlns:a14="http://schemas.microsoft.com/office/drawing/2010/main" w="9525">
                   <a:solidFill>
                     <a:srgbClr val="000000"/>
                   </a:solidFill>
@@ -9588,7 +9588,7 @@
           <a:noFill/>
           <a:extLst>
             <a:ext uri="{909E8E84-426E-40dd-AFC4-6F175D3DCCD1}">
-              <a14:hiddenFill xmlns:a14="http://schemas.microsoft.com/office/drawing/2010/main" xmlns="">
+              <a14:hiddenFill xmlns="" xmlns:a14="http://schemas.microsoft.com/office/drawing/2010/main">
                 <a:solidFill>
                   <a:srgbClr val="FFFFFF"/>
                 </a:solidFill>
@@ -9662,7 +9662,7 @@
               </a:ln>
               <a:extLst>
                 <a:ext uri="{91240B29-F687-4f45-9708-019B960494DF}">
-                  <a14:hiddenLine xmlns:a14="http://schemas.microsoft.com/office/drawing/2010/main" xmlns="" w="9525">
+                  <a14:hiddenLine xmlns="" xmlns:a14="http://schemas.microsoft.com/office/drawing/2010/main" w="9525">
                     <a:solidFill>
                       <a:srgbClr val="000000"/>
                     </a:solidFill>
@@ -9752,7 +9752,7 @@
               </a:ln>
               <a:extLst>
                 <a:ext uri="{91240B29-F687-4f45-9708-019B960494DF}">
-                  <a14:hiddenLine xmlns:a14="http://schemas.microsoft.com/office/drawing/2010/main" xmlns="" w="9525">
+                  <a14:hiddenLine xmlns="" xmlns:a14="http://schemas.microsoft.com/office/drawing/2010/main" w="9525">
                     <a:solidFill>
                       <a:srgbClr val="000000"/>
                     </a:solidFill>
@@ -9842,7 +9842,7 @@
               </a:ln>
               <a:extLst>
                 <a:ext uri="{91240B29-F687-4f45-9708-019B960494DF}">
-                  <a14:hiddenLine xmlns:a14="http://schemas.microsoft.com/office/drawing/2010/main" xmlns="" w="9525">
+                  <a14:hiddenLine xmlns="" xmlns:a14="http://schemas.microsoft.com/office/drawing/2010/main" w="9525">
                     <a:solidFill>
                       <a:srgbClr val="000000"/>
                     </a:solidFill>
@@ -9904,7 +9904,7 @@
               </a:ln>
               <a:extLst>
                 <a:ext uri="{91240B29-F687-4f45-9708-019B960494DF}">
-                  <a14:hiddenLine xmlns:a14="http://schemas.microsoft.com/office/drawing/2010/main" xmlns="" w="9525">
+                  <a14:hiddenLine xmlns="" xmlns:a14="http://schemas.microsoft.com/office/drawing/2010/main" w="9525">
                     <a:solidFill>
                       <a:srgbClr val="000000"/>
                     </a:solidFill>
@@ -9994,7 +9994,7 @@
               </a:ln>
               <a:extLst>
                 <a:ext uri="{91240B29-F687-4f45-9708-019B960494DF}">
-                  <a14:hiddenLine xmlns:a14="http://schemas.microsoft.com/office/drawing/2010/main" xmlns="" w="9525">
+                  <a14:hiddenLine xmlns="" xmlns:a14="http://schemas.microsoft.com/office/drawing/2010/main" w="9525">
                     <a:solidFill>
                       <a:srgbClr val="000000"/>
                     </a:solidFill>
@@ -10056,7 +10056,7 @@
               </a:ln>
               <a:extLst>
                 <a:ext uri="{91240B29-F687-4f45-9708-019B960494DF}">
-                  <a14:hiddenLine xmlns:a14="http://schemas.microsoft.com/office/drawing/2010/main" xmlns="" w="9525">
+                  <a14:hiddenLine xmlns="" xmlns:a14="http://schemas.microsoft.com/office/drawing/2010/main" w="9525">
                     <a:solidFill>
                       <a:srgbClr val="000000"/>
                     </a:solidFill>
@@ -10118,7 +10118,7 @@
               </a:ln>
               <a:extLst>
                 <a:ext uri="{91240B29-F687-4f45-9708-019B960494DF}">
-                  <a14:hiddenLine xmlns:a14="http://schemas.microsoft.com/office/drawing/2010/main" xmlns="" w="9525">
+                  <a14:hiddenLine xmlns="" xmlns:a14="http://schemas.microsoft.com/office/drawing/2010/main" w="9525">
                     <a:solidFill>
                       <a:srgbClr val="000000"/>
                     </a:solidFill>
@@ -10208,7 +10208,7 @@
               </a:ln>
               <a:extLst>
                 <a:ext uri="{91240B29-F687-4f45-9708-019B960494DF}">
-                  <a14:hiddenLine xmlns:a14="http://schemas.microsoft.com/office/drawing/2010/main" xmlns="" w="9525">
+                  <a14:hiddenLine xmlns="" xmlns:a14="http://schemas.microsoft.com/office/drawing/2010/main" w="9525">
                     <a:solidFill>
                       <a:srgbClr val="000000"/>
                     </a:solidFill>
@@ -10298,7 +10298,7 @@
               </a:ln>
               <a:extLst>
                 <a:ext uri="{91240B29-F687-4f45-9708-019B960494DF}">
-                  <a14:hiddenLine xmlns:a14="http://schemas.microsoft.com/office/drawing/2010/main" xmlns="" w="9525">
+                  <a14:hiddenLine xmlns="" xmlns:a14="http://schemas.microsoft.com/office/drawing/2010/main" w="9525">
                     <a:solidFill>
                       <a:srgbClr val="000000"/>
                     </a:solidFill>
@@ -10360,7 +10360,7 @@
               </a:ln>
               <a:extLst>
                 <a:ext uri="{91240B29-F687-4f45-9708-019B960494DF}">
-                  <a14:hiddenLine xmlns:a14="http://schemas.microsoft.com/office/drawing/2010/main" xmlns="" w="9525">
+                  <a14:hiddenLine xmlns="" xmlns:a14="http://schemas.microsoft.com/office/drawing/2010/main" w="9525">
                     <a:solidFill>
                       <a:srgbClr val="000000"/>
                     </a:solidFill>
@@ -10470,7 +10470,7 @@
               </a:ln>
               <a:extLst>
                 <a:ext uri="{91240B29-F687-4f45-9708-019B960494DF}">
-                  <a14:hiddenLine xmlns:a14="http://schemas.microsoft.com/office/drawing/2010/main" xmlns="" w="9525">
+                  <a14:hiddenLine xmlns="" xmlns:a14="http://schemas.microsoft.com/office/drawing/2010/main" w="9525">
                     <a:solidFill>
                       <a:srgbClr val="000000"/>
                     </a:solidFill>
@@ -10554,7 +10554,7 @@
               </a:ln>
               <a:extLst>
                 <a:ext uri="{91240B29-F687-4f45-9708-019B960494DF}">
-                  <a14:hiddenLine xmlns:a14="http://schemas.microsoft.com/office/drawing/2010/main" xmlns="" w="9525">
+                  <a14:hiddenLine xmlns="" xmlns:a14="http://schemas.microsoft.com/office/drawing/2010/main" w="9525">
                     <a:solidFill>
                       <a:srgbClr val="000000"/>
                     </a:solidFill>
@@ -10616,7 +10616,7 @@
               </a:ln>
               <a:extLst>
                 <a:ext uri="{91240B29-F687-4f45-9708-019B960494DF}">
-                  <a14:hiddenLine xmlns:a14="http://schemas.microsoft.com/office/drawing/2010/main" xmlns="" w="9525">
+                  <a14:hiddenLine xmlns="" xmlns:a14="http://schemas.microsoft.com/office/drawing/2010/main" w="9525">
                     <a:solidFill>
                       <a:srgbClr val="000000"/>
                     </a:solidFill>
@@ -10678,7 +10678,7 @@
               </a:ln>
               <a:extLst>
                 <a:ext uri="{91240B29-F687-4f45-9708-019B960494DF}">
-                  <a14:hiddenLine xmlns:a14="http://schemas.microsoft.com/office/drawing/2010/main" xmlns="" w="9525">
+                  <a14:hiddenLine xmlns="" xmlns:a14="http://schemas.microsoft.com/office/drawing/2010/main" w="9525">
                     <a:solidFill>
                       <a:srgbClr val="000000"/>
                     </a:solidFill>
@@ -10768,7 +10768,7 @@
               </a:ln>
               <a:extLst>
                 <a:ext uri="{91240B29-F687-4f45-9708-019B960494DF}">
-                  <a14:hiddenLine xmlns:a14="http://schemas.microsoft.com/office/drawing/2010/main" xmlns="" w="9525">
+                  <a14:hiddenLine xmlns="" xmlns:a14="http://schemas.microsoft.com/office/drawing/2010/main" w="9525">
                     <a:solidFill>
                       <a:srgbClr val="000000"/>
                     </a:solidFill>
@@ -10802,7 +10802,7 @@
               </a:ln>
               <a:extLst>
                 <a:ext uri="{91240B29-F687-4f45-9708-019B960494DF}">
-                  <a14:hiddenLine xmlns:a14="http://schemas.microsoft.com/office/drawing/2010/main" xmlns="" w="9525">
+                  <a14:hiddenLine xmlns="" xmlns:a14="http://schemas.microsoft.com/office/drawing/2010/main" w="9525">
                     <a:solidFill>
                       <a:srgbClr val="000000"/>
                     </a:solidFill>
@@ -10867,7 +10867,7 @@
               </a:ln>
               <a:extLst>
                 <a:ext uri="{91240B29-F687-4f45-9708-019B960494DF}">
-                  <a14:hiddenLine xmlns:a14="http://schemas.microsoft.com/office/drawing/2010/main" xmlns="" w="9525">
+                  <a14:hiddenLine xmlns="" xmlns:a14="http://schemas.microsoft.com/office/drawing/2010/main" w="9525">
                     <a:solidFill>
                       <a:srgbClr val="000000"/>
                     </a:solidFill>
@@ -10957,7 +10957,7 @@
               </a:ln>
               <a:extLst>
                 <a:ext uri="{91240B29-F687-4f45-9708-019B960494DF}">
-                  <a14:hiddenLine xmlns:a14="http://schemas.microsoft.com/office/drawing/2010/main" xmlns="" w="9525">
+                  <a14:hiddenLine xmlns="" xmlns:a14="http://schemas.microsoft.com/office/drawing/2010/main" w="9525">
                     <a:solidFill>
                       <a:srgbClr val="000000"/>
                     </a:solidFill>
@@ -11019,7 +11019,7 @@
               </a:ln>
               <a:extLst>
                 <a:ext uri="{91240B29-F687-4f45-9708-019B960494DF}">
-                  <a14:hiddenLine xmlns:a14="http://schemas.microsoft.com/office/drawing/2010/main" xmlns="" w="9525">
+                  <a14:hiddenLine xmlns="" xmlns:a14="http://schemas.microsoft.com/office/drawing/2010/main" w="9525">
                     <a:solidFill>
                       <a:srgbClr val="000000"/>
                     </a:solidFill>
@@ -11109,7 +11109,7 @@
               </a:ln>
               <a:extLst>
                 <a:ext uri="{91240B29-F687-4f45-9708-019B960494DF}">
-                  <a14:hiddenLine xmlns:a14="http://schemas.microsoft.com/office/drawing/2010/main" xmlns="" w="9525">
+                  <a14:hiddenLine xmlns="" xmlns:a14="http://schemas.microsoft.com/office/drawing/2010/main" w="9525">
                     <a:solidFill>
                       <a:srgbClr val="000000"/>
                     </a:solidFill>
@@ -11174,7 +11174,7 @@
               </a:ln>
               <a:extLst>
                 <a:ext uri="{91240B29-F687-4f45-9708-019B960494DF}">
-                  <a14:hiddenLine xmlns:a14="http://schemas.microsoft.com/office/drawing/2010/main" xmlns="" w="9525">
+                  <a14:hiddenLine xmlns="" xmlns:a14="http://schemas.microsoft.com/office/drawing/2010/main" w="9525">
                     <a:solidFill>
                       <a:srgbClr val="000000"/>
                     </a:solidFill>
@@ -11236,7 +11236,7 @@
               </a:ln>
               <a:extLst>
                 <a:ext uri="{91240B29-F687-4f45-9708-019B960494DF}">
-                  <a14:hiddenLine xmlns:a14="http://schemas.microsoft.com/office/drawing/2010/main" xmlns="" w="9525">
+                  <a14:hiddenLine xmlns="" xmlns:a14="http://schemas.microsoft.com/office/drawing/2010/main" w="9525">
                     <a:solidFill>
                       <a:srgbClr val="000000"/>
                     </a:solidFill>
@@ -11326,7 +11326,7 @@
               </a:ln>
               <a:extLst>
                 <a:ext uri="{91240B29-F687-4f45-9708-019B960494DF}">
-                  <a14:hiddenLine xmlns:a14="http://schemas.microsoft.com/office/drawing/2010/main" xmlns="" w="9525">
+                  <a14:hiddenLine xmlns="" xmlns:a14="http://schemas.microsoft.com/office/drawing/2010/main" w="9525">
                     <a:solidFill>
                       <a:srgbClr val="000000"/>
                     </a:solidFill>
@@ -11416,7 +11416,7 @@
               </a:ln>
               <a:extLst>
                 <a:ext uri="{91240B29-F687-4f45-9708-019B960494DF}">
-                  <a14:hiddenLine xmlns:a14="http://schemas.microsoft.com/office/drawing/2010/main" xmlns="" w="9525">
+                  <a14:hiddenLine xmlns="" xmlns:a14="http://schemas.microsoft.com/office/drawing/2010/main" w="9525">
                     <a:solidFill>
                       <a:srgbClr val="000000"/>
                     </a:solidFill>
@@ -11481,7 +11481,7 @@
               </a:ln>
               <a:extLst>
                 <a:ext uri="{91240B29-F687-4f45-9708-019B960494DF}">
-                  <a14:hiddenLine xmlns:a14="http://schemas.microsoft.com/office/drawing/2010/main" xmlns="" w="9525">
+                  <a14:hiddenLine xmlns="" xmlns:a14="http://schemas.microsoft.com/office/drawing/2010/main" w="9525">
                     <a:solidFill>
                       <a:srgbClr val="000000"/>
                     </a:solidFill>
@@ -11601,7 +11601,7 @@
               </a:ln>
               <a:extLst>
                 <a:ext uri="{91240B29-F687-4f45-9708-019B960494DF}">
-                  <a14:hiddenLine xmlns:a14="http://schemas.microsoft.com/office/drawing/2010/main" xmlns="" w="9525">
+                  <a14:hiddenLine xmlns="" xmlns:a14="http://schemas.microsoft.com/office/drawing/2010/main" w="9525">
                     <a:solidFill>
                       <a:srgbClr val="000000"/>
                     </a:solidFill>
@@ -11699,7 +11699,7 @@
               </a:ln>
               <a:extLst>
                 <a:ext uri="{91240B29-F687-4f45-9708-019B960494DF}">
-                  <a14:hiddenLine xmlns:a14="http://schemas.microsoft.com/office/drawing/2010/main" xmlns="" w="9525">
+                  <a14:hiddenLine xmlns="" xmlns:a14="http://schemas.microsoft.com/office/drawing/2010/main" w="9525">
                     <a:solidFill>
                       <a:srgbClr val="000000"/>
                     </a:solidFill>
@@ -11814,7 +11814,7 @@
               </a:ln>
               <a:extLst>
                 <a:ext uri="{91240B29-F687-4f45-9708-019B960494DF}">
-                  <a14:hiddenLine xmlns:a14="http://schemas.microsoft.com/office/drawing/2010/main" xmlns="" w="9525">
+                  <a14:hiddenLine xmlns="" xmlns:a14="http://schemas.microsoft.com/office/drawing/2010/main" w="9525">
                     <a:solidFill>
                       <a:srgbClr val="000000"/>
                     </a:solidFill>
@@ -11904,7 +11904,7 @@
               </a:ln>
               <a:extLst>
                 <a:ext uri="{91240B29-F687-4f45-9708-019B960494DF}">
-                  <a14:hiddenLine xmlns:a14="http://schemas.microsoft.com/office/drawing/2010/main" xmlns="" w="9525">
+                  <a14:hiddenLine xmlns="" xmlns:a14="http://schemas.microsoft.com/office/drawing/2010/main" w="9525">
                     <a:solidFill>
                       <a:srgbClr val="000000"/>
                     </a:solidFill>
@@ -11969,7 +11969,7 @@
               </a:ln>
               <a:extLst>
                 <a:ext uri="{91240B29-F687-4f45-9708-019B960494DF}">
-                  <a14:hiddenLine xmlns:a14="http://schemas.microsoft.com/office/drawing/2010/main" xmlns="" w="9525">
+                  <a14:hiddenLine xmlns="" xmlns:a14="http://schemas.microsoft.com/office/drawing/2010/main" w="9525">
                     <a:solidFill>
                       <a:srgbClr val="000000"/>
                     </a:solidFill>
@@ -12059,7 +12059,7 @@
               </a:ln>
               <a:extLst>
                 <a:ext uri="{91240B29-F687-4f45-9708-019B960494DF}">
-                  <a14:hiddenLine xmlns:a14="http://schemas.microsoft.com/office/drawing/2010/main" xmlns="" w="9525">
+                  <a14:hiddenLine xmlns="" xmlns:a14="http://schemas.microsoft.com/office/drawing/2010/main" w="9525">
                     <a:solidFill>
                       <a:srgbClr val="000000"/>
                     </a:solidFill>
@@ -12127,7 +12127,7 @@
               </a:ln>
               <a:extLst>
                 <a:ext uri="{91240B29-F687-4f45-9708-019B960494DF}">
-                  <a14:hiddenLine xmlns:a14="http://schemas.microsoft.com/office/drawing/2010/main" xmlns="" w="9525">
+                  <a14:hiddenLine xmlns="" xmlns:a14="http://schemas.microsoft.com/office/drawing/2010/main" w="9525">
                     <a:solidFill>
                       <a:srgbClr val="000000"/>
                     </a:solidFill>
@@ -12217,7 +12217,7 @@
               </a:ln>
               <a:extLst>
                 <a:ext uri="{91240B29-F687-4f45-9708-019B960494DF}">
-                  <a14:hiddenLine xmlns:a14="http://schemas.microsoft.com/office/drawing/2010/main" xmlns="" w="9525">
+                  <a14:hiddenLine xmlns="" xmlns:a14="http://schemas.microsoft.com/office/drawing/2010/main" w="9525">
                     <a:solidFill>
                       <a:srgbClr val="000000"/>
                     </a:solidFill>
@@ -12285,7 +12285,7 @@
               </a:ln>
               <a:extLst>
                 <a:ext uri="{91240B29-F687-4f45-9708-019B960494DF}">
-                  <a14:hiddenLine xmlns:a14="http://schemas.microsoft.com/office/drawing/2010/main" xmlns="" w="9525">
+                  <a14:hiddenLine xmlns="" xmlns:a14="http://schemas.microsoft.com/office/drawing/2010/main" w="9525">
                     <a:solidFill>
                       <a:srgbClr val="000000"/>
                     </a:solidFill>
@@ -12375,7 +12375,7 @@
               </a:ln>
               <a:extLst>
                 <a:ext uri="{91240B29-F687-4f45-9708-019B960494DF}">
-                  <a14:hiddenLine xmlns:a14="http://schemas.microsoft.com/office/drawing/2010/main" xmlns="" w="9525">
+                  <a14:hiddenLine xmlns="" xmlns:a14="http://schemas.microsoft.com/office/drawing/2010/main" w="9525">
                     <a:solidFill>
                       <a:srgbClr val="000000"/>
                     </a:solidFill>
@@ -12409,7 +12409,7 @@
               </a:ln>
               <a:extLst>
                 <a:ext uri="{91240B29-F687-4f45-9708-019B960494DF}">
-                  <a14:hiddenLine xmlns:a14="http://schemas.microsoft.com/office/drawing/2010/main" xmlns="" w="9525">
+                  <a14:hiddenLine xmlns="" xmlns:a14="http://schemas.microsoft.com/office/drawing/2010/main" w="9525">
                     <a:solidFill>
                       <a:srgbClr val="000000"/>
                     </a:solidFill>

--- a/Приложение для стеганографии.pptx
+++ b/Приложение для стеганографии.pptx
@@ -695,7 +695,7 @@
           <a:noFill/>
           <a:extLst>
             <a:ext uri="{909E8E84-426E-40dd-AFC4-6F175D3DCCD1}">
-              <a14:hiddenFill xmlns="" xmlns:a14="http://schemas.microsoft.com/office/drawing/2010/main">
+              <a14:hiddenFill xmlns:a14="http://schemas.microsoft.com/office/drawing/2010/main" xmlns="">
                 <a:solidFill>
                   <a:srgbClr val="FFFFFF"/>
                 </a:solidFill>
@@ -755,7 +755,7 @@
             </a:ln>
             <a:extLst>
               <a:ext uri="{91240B29-F687-4f45-9708-019B960494DF}">
-                <a14:hiddenLine xmlns="" xmlns:a14="http://schemas.microsoft.com/office/drawing/2010/main" w="9525">
+                <a14:hiddenLine xmlns:a14="http://schemas.microsoft.com/office/drawing/2010/main" xmlns="" w="9525">
                   <a:solidFill>
                     <a:srgbClr val="000000"/>
                   </a:solidFill>
@@ -845,7 +845,7 @@
             </a:ln>
             <a:extLst>
               <a:ext uri="{91240B29-F687-4f45-9708-019B960494DF}">
-                <a14:hiddenLine xmlns="" xmlns:a14="http://schemas.microsoft.com/office/drawing/2010/main" w="9525">
+                <a14:hiddenLine xmlns:a14="http://schemas.microsoft.com/office/drawing/2010/main" xmlns="" w="9525">
                   <a:solidFill>
                     <a:srgbClr val="000000"/>
                   </a:solidFill>
@@ -935,7 +935,7 @@
             </a:ln>
             <a:extLst>
               <a:ext uri="{91240B29-F687-4f45-9708-019B960494DF}">
-                <a14:hiddenLine xmlns="" xmlns:a14="http://schemas.microsoft.com/office/drawing/2010/main" w="9525">
+                <a14:hiddenLine xmlns:a14="http://schemas.microsoft.com/office/drawing/2010/main" xmlns="" w="9525">
                   <a:solidFill>
                     <a:srgbClr val="000000"/>
                   </a:solidFill>
@@ -969,7 +969,7 @@
             </a:ln>
             <a:extLst>
               <a:ext uri="{91240B29-F687-4f45-9708-019B960494DF}">
-                <a14:hiddenLine xmlns="" xmlns:a14="http://schemas.microsoft.com/office/drawing/2010/main" w="9525">
+                <a14:hiddenLine xmlns:a14="http://schemas.microsoft.com/office/drawing/2010/main" xmlns="" w="9525">
                   <a:solidFill>
                     <a:srgbClr val="000000"/>
                   </a:solidFill>
@@ -1059,7 +1059,7 @@
             </a:ln>
             <a:extLst>
               <a:ext uri="{91240B29-F687-4f45-9708-019B960494DF}">
-                <a14:hiddenLine xmlns="" xmlns:a14="http://schemas.microsoft.com/office/drawing/2010/main" w="9525">
+                <a14:hiddenLine xmlns:a14="http://schemas.microsoft.com/office/drawing/2010/main" xmlns="" w="9525">
                   <a:solidFill>
                     <a:srgbClr val="000000"/>
                   </a:solidFill>
@@ -1121,7 +1121,7 @@
             </a:ln>
             <a:extLst>
               <a:ext uri="{91240B29-F687-4f45-9708-019B960494DF}">
-                <a14:hiddenLine xmlns="" xmlns:a14="http://schemas.microsoft.com/office/drawing/2010/main" w="9525">
+                <a14:hiddenLine xmlns:a14="http://schemas.microsoft.com/office/drawing/2010/main" xmlns="" w="9525">
                   <a:solidFill>
                     <a:srgbClr val="000000"/>
                   </a:solidFill>
@@ -1183,7 +1183,7 @@
             </a:ln>
             <a:extLst>
               <a:ext uri="{91240B29-F687-4f45-9708-019B960494DF}">
-                <a14:hiddenLine xmlns="" xmlns:a14="http://schemas.microsoft.com/office/drawing/2010/main" w="9525">
+                <a14:hiddenLine xmlns:a14="http://schemas.microsoft.com/office/drawing/2010/main" xmlns="" w="9525">
                   <a:solidFill>
                     <a:srgbClr val="000000"/>
                   </a:solidFill>
@@ -1273,7 +1273,7 @@
             </a:ln>
             <a:extLst>
               <a:ext uri="{91240B29-F687-4f45-9708-019B960494DF}">
-                <a14:hiddenLine xmlns="" xmlns:a14="http://schemas.microsoft.com/office/drawing/2010/main" w="9525">
+                <a14:hiddenLine xmlns:a14="http://schemas.microsoft.com/office/drawing/2010/main" xmlns="" w="9525">
                   <a:solidFill>
                     <a:srgbClr val="000000"/>
                   </a:solidFill>
@@ -1335,7 +1335,7 @@
             </a:ln>
             <a:extLst>
               <a:ext uri="{91240B29-F687-4f45-9708-019B960494DF}">
-                <a14:hiddenLine xmlns="" xmlns:a14="http://schemas.microsoft.com/office/drawing/2010/main" w="9525">
+                <a14:hiddenLine xmlns:a14="http://schemas.microsoft.com/office/drawing/2010/main" xmlns="" w="9525">
                   <a:solidFill>
                     <a:srgbClr val="000000"/>
                   </a:solidFill>
@@ -1397,7 +1397,7 @@
             </a:ln>
             <a:extLst>
               <a:ext uri="{91240B29-F687-4f45-9708-019B960494DF}">
-                <a14:hiddenLine xmlns="" xmlns:a14="http://schemas.microsoft.com/office/drawing/2010/main" w="9525">
+                <a14:hiddenLine xmlns:a14="http://schemas.microsoft.com/office/drawing/2010/main" xmlns="" w="9525">
                   <a:solidFill>
                     <a:srgbClr val="000000"/>
                   </a:solidFill>
@@ -1487,7 +1487,7 @@
             </a:ln>
             <a:extLst>
               <a:ext uri="{91240B29-F687-4f45-9708-019B960494DF}">
-                <a14:hiddenLine xmlns="" xmlns:a14="http://schemas.microsoft.com/office/drawing/2010/main" w="9525">
+                <a14:hiddenLine xmlns:a14="http://schemas.microsoft.com/office/drawing/2010/main" xmlns="" w="9525">
                   <a:solidFill>
                     <a:srgbClr val="000000"/>
                   </a:solidFill>
@@ -1577,7 +1577,7 @@
             </a:ln>
             <a:extLst>
               <a:ext uri="{91240B29-F687-4f45-9708-019B960494DF}">
-                <a14:hiddenLine xmlns="" xmlns:a14="http://schemas.microsoft.com/office/drawing/2010/main" w="9525">
+                <a14:hiddenLine xmlns:a14="http://schemas.microsoft.com/office/drawing/2010/main" xmlns="" w="9525">
                   <a:solidFill>
                     <a:srgbClr val="000000"/>
                   </a:solidFill>
@@ -1639,7 +1639,7 @@
             </a:ln>
             <a:extLst>
               <a:ext uri="{91240B29-F687-4f45-9708-019B960494DF}">
-                <a14:hiddenLine xmlns="" xmlns:a14="http://schemas.microsoft.com/office/drawing/2010/main" w="9525">
+                <a14:hiddenLine xmlns:a14="http://schemas.microsoft.com/office/drawing/2010/main" xmlns="" w="9525">
                   <a:solidFill>
                     <a:srgbClr val="000000"/>
                   </a:solidFill>
@@ -1749,7 +1749,7 @@
             </a:ln>
             <a:extLst>
               <a:ext uri="{91240B29-F687-4f45-9708-019B960494DF}">
-                <a14:hiddenLine xmlns="" xmlns:a14="http://schemas.microsoft.com/office/drawing/2010/main" w="9525">
+                <a14:hiddenLine xmlns:a14="http://schemas.microsoft.com/office/drawing/2010/main" xmlns="" w="9525">
                   <a:solidFill>
                     <a:srgbClr val="000000"/>
                   </a:solidFill>
@@ -1811,7 +1811,7 @@
             </a:ln>
             <a:extLst>
               <a:ext uri="{91240B29-F687-4f45-9708-019B960494DF}">
-                <a14:hiddenLine xmlns="" xmlns:a14="http://schemas.microsoft.com/office/drawing/2010/main" w="9525">
+                <a14:hiddenLine xmlns:a14="http://schemas.microsoft.com/office/drawing/2010/main" xmlns="" w="9525">
                   <a:solidFill>
                     <a:srgbClr val="000000"/>
                   </a:solidFill>
@@ -1901,7 +1901,7 @@
             </a:ln>
             <a:extLst>
               <a:ext uri="{91240B29-F687-4f45-9708-019B960494DF}">
-                <a14:hiddenLine xmlns="" xmlns:a14="http://schemas.microsoft.com/office/drawing/2010/main" w="9525">
+                <a14:hiddenLine xmlns:a14="http://schemas.microsoft.com/office/drawing/2010/main" xmlns="" w="9525">
                   <a:solidFill>
                     <a:srgbClr val="000000"/>
                   </a:solidFill>
@@ -1991,7 +1991,7 @@
             </a:ln>
             <a:extLst>
               <a:ext uri="{91240B29-F687-4f45-9708-019B960494DF}">
-                <a14:hiddenLine xmlns="" xmlns:a14="http://schemas.microsoft.com/office/drawing/2010/main" w="9525">
+                <a14:hiddenLine xmlns:a14="http://schemas.microsoft.com/office/drawing/2010/main" xmlns="" w="9525">
                   <a:solidFill>
                     <a:srgbClr val="000000"/>
                   </a:solidFill>
@@ -2053,7 +2053,7 @@
             </a:ln>
             <a:extLst>
               <a:ext uri="{91240B29-F687-4f45-9708-019B960494DF}">
-                <a14:hiddenLine xmlns="" xmlns:a14="http://schemas.microsoft.com/office/drawing/2010/main" w="9525">
+                <a14:hiddenLine xmlns:a14="http://schemas.microsoft.com/office/drawing/2010/main" xmlns="" w="9525">
                   <a:solidFill>
                     <a:srgbClr val="000000"/>
                   </a:solidFill>
@@ -2143,7 +2143,7 @@
             </a:ln>
             <a:extLst>
               <a:ext uri="{91240B29-F687-4f45-9708-019B960494DF}">
-                <a14:hiddenLine xmlns="" xmlns:a14="http://schemas.microsoft.com/office/drawing/2010/main" w="9525">
+                <a14:hiddenLine xmlns:a14="http://schemas.microsoft.com/office/drawing/2010/main" xmlns="" w="9525">
                   <a:solidFill>
                     <a:srgbClr val="000000"/>
                   </a:solidFill>
@@ -2233,7 +2233,7 @@
             </a:ln>
             <a:extLst>
               <a:ext uri="{91240B29-F687-4f45-9708-019B960494DF}">
-                <a14:hiddenLine xmlns="" xmlns:a14="http://schemas.microsoft.com/office/drawing/2010/main" w="9525">
+                <a14:hiddenLine xmlns:a14="http://schemas.microsoft.com/office/drawing/2010/main" xmlns="" w="9525">
                   <a:solidFill>
                     <a:srgbClr val="000000"/>
                   </a:solidFill>
@@ -2289,7 +2289,7 @@
             </a:ln>
             <a:extLst>
               <a:ext uri="{91240B29-F687-4f45-9708-019B960494DF}">
-                <a14:hiddenLine xmlns="" xmlns:a14="http://schemas.microsoft.com/office/drawing/2010/main" w="9525">
+                <a14:hiddenLine xmlns:a14="http://schemas.microsoft.com/office/drawing/2010/main" xmlns="" w="9525">
                   <a:solidFill>
                     <a:srgbClr val="000000"/>
                   </a:solidFill>
@@ -2379,7 +2379,7 @@
             </a:ln>
             <a:extLst>
               <a:ext uri="{91240B29-F687-4f45-9708-019B960494DF}">
-                <a14:hiddenLine xmlns="" xmlns:a14="http://schemas.microsoft.com/office/drawing/2010/main" w="9525">
+                <a14:hiddenLine xmlns:a14="http://schemas.microsoft.com/office/drawing/2010/main" xmlns="" w="9525">
                   <a:solidFill>
                     <a:srgbClr val="000000"/>
                   </a:solidFill>
@@ -2435,7 +2435,7 @@
             </a:ln>
             <a:extLst>
               <a:ext uri="{91240B29-F687-4f45-9708-019B960494DF}">
-                <a14:hiddenLine xmlns="" xmlns:a14="http://schemas.microsoft.com/office/drawing/2010/main" w="9525">
+                <a14:hiddenLine xmlns:a14="http://schemas.microsoft.com/office/drawing/2010/main" xmlns="" w="9525">
                   <a:solidFill>
                     <a:srgbClr val="000000"/>
                   </a:solidFill>
@@ -2525,7 +2525,7 @@
             </a:ln>
             <a:extLst>
               <a:ext uri="{91240B29-F687-4f45-9708-019B960494DF}">
-                <a14:hiddenLine xmlns="" xmlns:a14="http://schemas.microsoft.com/office/drawing/2010/main" w="9525">
+                <a14:hiddenLine xmlns:a14="http://schemas.microsoft.com/office/drawing/2010/main" xmlns="" w="9525">
                   <a:solidFill>
                     <a:srgbClr val="000000"/>
                   </a:solidFill>
@@ -2593,7 +2593,7 @@
             </a:ln>
             <a:extLst>
               <a:ext uri="{91240B29-F687-4f45-9708-019B960494DF}">
-                <a14:hiddenLine xmlns="" xmlns:a14="http://schemas.microsoft.com/office/drawing/2010/main" w="9525">
+                <a14:hiddenLine xmlns:a14="http://schemas.microsoft.com/office/drawing/2010/main" xmlns="" w="9525">
                   <a:solidFill>
                     <a:srgbClr val="000000"/>
                   </a:solidFill>
@@ -2683,7 +2683,7 @@
             </a:ln>
             <a:extLst>
               <a:ext uri="{91240B29-F687-4f45-9708-019B960494DF}">
-                <a14:hiddenLine xmlns="" xmlns:a14="http://schemas.microsoft.com/office/drawing/2010/main" w="9525">
+                <a14:hiddenLine xmlns:a14="http://schemas.microsoft.com/office/drawing/2010/main" xmlns="" w="9525">
                   <a:solidFill>
                     <a:srgbClr val="000000"/>
                   </a:solidFill>
@@ -2751,7 +2751,7 @@
             </a:ln>
             <a:extLst>
               <a:ext uri="{91240B29-F687-4f45-9708-019B960494DF}">
-                <a14:hiddenLine xmlns="" xmlns:a14="http://schemas.microsoft.com/office/drawing/2010/main" w="9525">
+                <a14:hiddenLine xmlns:a14="http://schemas.microsoft.com/office/drawing/2010/main" xmlns="" w="9525">
                   <a:solidFill>
                     <a:srgbClr val="000000"/>
                   </a:solidFill>
@@ -2841,7 +2841,7 @@
             </a:ln>
             <a:extLst>
               <a:ext uri="{91240B29-F687-4f45-9708-019B960494DF}">
-                <a14:hiddenLine xmlns="" xmlns:a14="http://schemas.microsoft.com/office/drawing/2010/main" w="9525">
+                <a14:hiddenLine xmlns:a14="http://schemas.microsoft.com/office/drawing/2010/main" xmlns="" w="9525">
                   <a:solidFill>
                     <a:srgbClr val="000000"/>
                   </a:solidFill>
@@ -2875,7 +2875,7 @@
             </a:ln>
             <a:extLst>
               <a:ext uri="{91240B29-F687-4f45-9708-019B960494DF}">
-                <a14:hiddenLine xmlns="" xmlns:a14="http://schemas.microsoft.com/office/drawing/2010/main" w="9525">
+                <a14:hiddenLine xmlns:a14="http://schemas.microsoft.com/office/drawing/2010/main" xmlns="" w="9525">
                   <a:solidFill>
                     <a:srgbClr val="000000"/>
                   </a:solidFill>
@@ -2965,7 +2965,7 @@
             </a:ln>
             <a:extLst>
               <a:ext uri="{91240B29-F687-4f45-9708-019B960494DF}">
-                <a14:hiddenLine xmlns="" xmlns:a14="http://schemas.microsoft.com/office/drawing/2010/main" w="9525">
+                <a14:hiddenLine xmlns:a14="http://schemas.microsoft.com/office/drawing/2010/main" xmlns="" w="9525">
                   <a:solidFill>
                     <a:srgbClr val="000000"/>
                   </a:solidFill>
@@ -3027,7 +3027,7 @@
             </a:ln>
             <a:extLst>
               <a:ext uri="{91240B29-F687-4f45-9708-019B960494DF}">
-                <a14:hiddenLine xmlns="" xmlns:a14="http://schemas.microsoft.com/office/drawing/2010/main" w="9525">
+                <a14:hiddenLine xmlns:a14="http://schemas.microsoft.com/office/drawing/2010/main" xmlns="" w="9525">
                   <a:solidFill>
                     <a:srgbClr val="000000"/>
                   </a:solidFill>
@@ -3089,7 +3089,7 @@
             </a:ln>
             <a:extLst>
               <a:ext uri="{91240B29-F687-4f45-9708-019B960494DF}">
-                <a14:hiddenLine xmlns="" xmlns:a14="http://schemas.microsoft.com/office/drawing/2010/main" w="9525">
+                <a14:hiddenLine xmlns:a14="http://schemas.microsoft.com/office/drawing/2010/main" xmlns="" w="9525">
                   <a:solidFill>
                     <a:srgbClr val="000000"/>
                   </a:solidFill>
@@ -3179,7 +3179,7 @@
             </a:ln>
             <a:extLst>
               <a:ext uri="{91240B29-F687-4f45-9708-019B960494DF}">
-                <a14:hiddenLine xmlns="" xmlns:a14="http://schemas.microsoft.com/office/drawing/2010/main" w="9525">
+                <a14:hiddenLine xmlns:a14="http://schemas.microsoft.com/office/drawing/2010/main" xmlns="" w="9525">
                   <a:solidFill>
                     <a:srgbClr val="000000"/>
                   </a:solidFill>
@@ -3247,7 +3247,7 @@
             </a:ln>
             <a:extLst>
               <a:ext uri="{91240B29-F687-4f45-9708-019B960494DF}">
-                <a14:hiddenLine xmlns="" xmlns:a14="http://schemas.microsoft.com/office/drawing/2010/main" w="9525">
+                <a14:hiddenLine xmlns:a14="http://schemas.microsoft.com/office/drawing/2010/main" xmlns="" w="9525">
                   <a:solidFill>
                     <a:srgbClr val="000000"/>
                   </a:solidFill>
@@ -3309,7 +3309,7 @@
             </a:ln>
             <a:extLst>
               <a:ext uri="{91240B29-F687-4f45-9708-019B960494DF}">
-                <a14:hiddenLine xmlns="" xmlns:a14="http://schemas.microsoft.com/office/drawing/2010/main" w="9525">
+                <a14:hiddenLine xmlns:a14="http://schemas.microsoft.com/office/drawing/2010/main" xmlns="" w="9525">
                   <a:solidFill>
                     <a:srgbClr val="000000"/>
                   </a:solidFill>
@@ -3399,7 +3399,7 @@
             </a:ln>
             <a:extLst>
               <a:ext uri="{91240B29-F687-4f45-9708-019B960494DF}">
-                <a14:hiddenLine xmlns="" xmlns:a14="http://schemas.microsoft.com/office/drawing/2010/main" w="9525">
+                <a14:hiddenLine xmlns:a14="http://schemas.microsoft.com/office/drawing/2010/main" xmlns="" w="9525">
                   <a:solidFill>
                     <a:srgbClr val="000000"/>
                   </a:solidFill>
@@ -3461,7 +3461,7 @@
             </a:ln>
             <a:extLst>
               <a:ext uri="{91240B29-F687-4f45-9708-019B960494DF}">
-                <a14:hiddenLine xmlns="" xmlns:a14="http://schemas.microsoft.com/office/drawing/2010/main" w="9525">
+                <a14:hiddenLine xmlns:a14="http://schemas.microsoft.com/office/drawing/2010/main" xmlns="" w="9525">
                   <a:solidFill>
                     <a:srgbClr val="000000"/>
                   </a:solidFill>
@@ -3551,7 +3551,7 @@
             </a:ln>
             <a:extLst>
               <a:ext uri="{91240B29-F687-4f45-9708-019B960494DF}">
-                <a14:hiddenLine xmlns="" xmlns:a14="http://schemas.microsoft.com/office/drawing/2010/main" w="9525">
+                <a14:hiddenLine xmlns:a14="http://schemas.microsoft.com/office/drawing/2010/main" xmlns="" w="9525">
                   <a:solidFill>
                     <a:srgbClr val="000000"/>
                   </a:solidFill>
@@ -3613,7 +3613,7 @@
             </a:ln>
             <a:extLst>
               <a:ext uri="{91240B29-F687-4f45-9708-019B960494DF}">
-                <a14:hiddenLine xmlns="" xmlns:a14="http://schemas.microsoft.com/office/drawing/2010/main" w="9525">
+                <a14:hiddenLine xmlns:a14="http://schemas.microsoft.com/office/drawing/2010/main" xmlns="" w="9525">
                   <a:solidFill>
                     <a:srgbClr val="000000"/>
                   </a:solidFill>
@@ -3703,7 +3703,7 @@
             </a:ln>
             <a:extLst>
               <a:ext uri="{91240B29-F687-4f45-9708-019B960494DF}">
-                <a14:hiddenLine xmlns="" xmlns:a14="http://schemas.microsoft.com/office/drawing/2010/main" w="9525">
+                <a14:hiddenLine xmlns:a14="http://schemas.microsoft.com/office/drawing/2010/main" xmlns="" w="9525">
                   <a:solidFill>
                     <a:srgbClr val="000000"/>
                   </a:solidFill>
@@ -3737,7 +3737,7 @@
             </a:ln>
             <a:extLst>
               <a:ext uri="{91240B29-F687-4f45-9708-019B960494DF}">
-                <a14:hiddenLine xmlns="" xmlns:a14="http://schemas.microsoft.com/office/drawing/2010/main" w="9525">
+                <a14:hiddenLine xmlns:a14="http://schemas.microsoft.com/office/drawing/2010/main" xmlns="" w="9525">
                   <a:solidFill>
                     <a:srgbClr val="000000"/>
                   </a:solidFill>
@@ -3802,7 +3802,7 @@
             </a:ln>
             <a:extLst>
               <a:ext uri="{91240B29-F687-4f45-9708-019B960494DF}">
-                <a14:hiddenLine xmlns="" xmlns:a14="http://schemas.microsoft.com/office/drawing/2010/main" w="9525">
+                <a14:hiddenLine xmlns:a14="http://schemas.microsoft.com/office/drawing/2010/main" xmlns="" w="9525">
                   <a:solidFill>
                     <a:srgbClr val="000000"/>
                   </a:solidFill>
@@ -3892,7 +3892,7 @@
             </a:ln>
             <a:extLst>
               <a:ext uri="{91240B29-F687-4f45-9708-019B960494DF}">
-                <a14:hiddenLine xmlns="" xmlns:a14="http://schemas.microsoft.com/office/drawing/2010/main" w="9525">
+                <a14:hiddenLine xmlns:a14="http://schemas.microsoft.com/office/drawing/2010/main" xmlns="" w="9525">
                   <a:solidFill>
                     <a:srgbClr val="000000"/>
                   </a:solidFill>
@@ -3954,7 +3954,7 @@
             </a:ln>
             <a:extLst>
               <a:ext uri="{91240B29-F687-4f45-9708-019B960494DF}">
-                <a14:hiddenLine xmlns="" xmlns:a14="http://schemas.microsoft.com/office/drawing/2010/main" w="9525">
+                <a14:hiddenLine xmlns:a14="http://schemas.microsoft.com/office/drawing/2010/main" xmlns="" w="9525">
                   <a:solidFill>
                     <a:srgbClr val="000000"/>
                   </a:solidFill>
@@ -4044,7 +4044,7 @@
             </a:ln>
             <a:extLst>
               <a:ext uri="{91240B29-F687-4f45-9708-019B960494DF}">
-                <a14:hiddenLine xmlns="" xmlns:a14="http://schemas.microsoft.com/office/drawing/2010/main" w="9525">
+                <a14:hiddenLine xmlns:a14="http://schemas.microsoft.com/office/drawing/2010/main" xmlns="" w="9525">
                   <a:solidFill>
                     <a:srgbClr val="000000"/>
                   </a:solidFill>
@@ -4134,7 +4134,7 @@
             </a:ln>
             <a:extLst>
               <a:ext uri="{91240B29-F687-4f45-9708-019B960494DF}">
-                <a14:hiddenLine xmlns="" xmlns:a14="http://schemas.microsoft.com/office/drawing/2010/main" w="9525">
+                <a14:hiddenLine xmlns:a14="http://schemas.microsoft.com/office/drawing/2010/main" xmlns="" w="9525">
                   <a:solidFill>
                     <a:srgbClr val="000000"/>
                   </a:solidFill>
@@ -4199,7 +4199,7 @@
             </a:ln>
             <a:extLst>
               <a:ext uri="{91240B29-F687-4f45-9708-019B960494DF}">
-                <a14:hiddenLine xmlns="" xmlns:a14="http://schemas.microsoft.com/office/drawing/2010/main" w="9525">
+                <a14:hiddenLine xmlns:a14="http://schemas.microsoft.com/office/drawing/2010/main" xmlns="" w="9525">
                   <a:solidFill>
                     <a:srgbClr val="000000"/>
                   </a:solidFill>
@@ -4261,7 +4261,7 @@
             </a:ln>
             <a:extLst>
               <a:ext uri="{91240B29-F687-4f45-9708-019B960494DF}">
-                <a14:hiddenLine xmlns="" xmlns:a14="http://schemas.microsoft.com/office/drawing/2010/main" w="9525">
+                <a14:hiddenLine xmlns:a14="http://schemas.microsoft.com/office/drawing/2010/main" xmlns="" w="9525">
                   <a:solidFill>
                     <a:srgbClr val="000000"/>
                   </a:solidFill>
@@ -4351,7 +4351,7 @@
             </a:ln>
             <a:extLst>
               <a:ext uri="{91240B29-F687-4f45-9708-019B960494DF}">
-                <a14:hiddenLine xmlns="" xmlns:a14="http://schemas.microsoft.com/office/drawing/2010/main" w="9525">
+                <a14:hiddenLine xmlns:a14="http://schemas.microsoft.com/office/drawing/2010/main" xmlns="" w="9525">
                   <a:solidFill>
                     <a:srgbClr val="000000"/>
                   </a:solidFill>
@@ -4441,7 +4441,7 @@
             </a:ln>
             <a:extLst>
               <a:ext uri="{91240B29-F687-4f45-9708-019B960494DF}">
-                <a14:hiddenLine xmlns="" xmlns:a14="http://schemas.microsoft.com/office/drawing/2010/main" w="9525">
+                <a14:hiddenLine xmlns:a14="http://schemas.microsoft.com/office/drawing/2010/main" xmlns="" w="9525">
                   <a:solidFill>
                     <a:srgbClr val="000000"/>
                   </a:solidFill>
@@ -4503,7 +4503,7 @@
             </a:ln>
             <a:extLst>
               <a:ext uri="{91240B29-F687-4f45-9708-019B960494DF}">
-                <a14:hiddenLine xmlns="" xmlns:a14="http://schemas.microsoft.com/office/drawing/2010/main" w="9525">
+                <a14:hiddenLine xmlns:a14="http://schemas.microsoft.com/office/drawing/2010/main" xmlns="" w="9525">
                   <a:solidFill>
                     <a:srgbClr val="000000"/>
                   </a:solidFill>
@@ -4623,7 +4623,7 @@
             </a:ln>
             <a:extLst>
               <a:ext uri="{91240B29-F687-4f45-9708-019B960494DF}">
-                <a14:hiddenLine xmlns="" xmlns:a14="http://schemas.microsoft.com/office/drawing/2010/main" w="9525">
+                <a14:hiddenLine xmlns:a14="http://schemas.microsoft.com/office/drawing/2010/main" xmlns="" w="9525">
                   <a:solidFill>
                     <a:srgbClr val="000000"/>
                   </a:solidFill>
@@ -4691,7 +4691,7 @@
             </a:ln>
             <a:extLst>
               <a:ext uri="{91240B29-F687-4f45-9708-019B960494DF}">
-                <a14:hiddenLine xmlns="" xmlns:a14="http://schemas.microsoft.com/office/drawing/2010/main" w="9525">
+                <a14:hiddenLine xmlns:a14="http://schemas.microsoft.com/office/drawing/2010/main" xmlns="" w="9525">
                   <a:solidFill>
                     <a:srgbClr val="000000"/>
                   </a:solidFill>
@@ -4781,7 +4781,7 @@
             </a:ln>
             <a:extLst>
               <a:ext uri="{91240B29-F687-4f45-9708-019B960494DF}">
-                <a14:hiddenLine xmlns="" xmlns:a14="http://schemas.microsoft.com/office/drawing/2010/main" w="9525">
+                <a14:hiddenLine xmlns:a14="http://schemas.microsoft.com/office/drawing/2010/main" xmlns="" w="9525">
                   <a:solidFill>
                     <a:srgbClr val="000000"/>
                   </a:solidFill>
@@ -9588,7 +9588,7 @@
           <a:noFill/>
           <a:extLst>
             <a:ext uri="{909E8E84-426E-40dd-AFC4-6F175D3DCCD1}">
-              <a14:hiddenFill xmlns="" xmlns:a14="http://schemas.microsoft.com/office/drawing/2010/main">
+              <a14:hiddenFill xmlns:a14="http://schemas.microsoft.com/office/drawing/2010/main" xmlns="">
                 <a:solidFill>
                   <a:srgbClr val="FFFFFF"/>
                 </a:solidFill>
@@ -9662,7 +9662,7 @@
               </a:ln>
               <a:extLst>
                 <a:ext uri="{91240B29-F687-4f45-9708-019B960494DF}">
-                  <a14:hiddenLine xmlns="" xmlns:a14="http://schemas.microsoft.com/office/drawing/2010/main" w="9525">
+                  <a14:hiddenLine xmlns:a14="http://schemas.microsoft.com/office/drawing/2010/main" xmlns="" w="9525">
                     <a:solidFill>
                       <a:srgbClr val="000000"/>
                     </a:solidFill>
@@ -9752,7 +9752,7 @@
               </a:ln>
               <a:extLst>
                 <a:ext uri="{91240B29-F687-4f45-9708-019B960494DF}">
-                  <a14:hiddenLine xmlns="" xmlns:a14="http://schemas.microsoft.com/office/drawing/2010/main" w="9525">
+                  <a14:hiddenLine xmlns:a14="http://schemas.microsoft.com/office/drawing/2010/main" xmlns="" w="9525">
                     <a:solidFill>
                       <a:srgbClr val="000000"/>
                     </a:solidFill>
@@ -9842,7 +9842,7 @@
               </a:ln>
               <a:extLst>
                 <a:ext uri="{91240B29-F687-4f45-9708-019B960494DF}">
-                  <a14:hiddenLine xmlns="" xmlns:a14="http://schemas.microsoft.com/office/drawing/2010/main" w="9525">
+                  <a14:hiddenLine xmlns:a14="http://schemas.microsoft.com/office/drawing/2010/main" xmlns="" w="9525">
                     <a:solidFill>
                       <a:srgbClr val="000000"/>
                     </a:solidFill>
@@ -9904,7 +9904,7 @@
               </a:ln>
               <a:extLst>
                 <a:ext uri="{91240B29-F687-4f45-9708-019B960494DF}">
-                  <a14:hiddenLine xmlns="" xmlns:a14="http://schemas.microsoft.com/office/drawing/2010/main" w="9525">
+                  <a14:hiddenLine xmlns:a14="http://schemas.microsoft.com/office/drawing/2010/main" xmlns="" w="9525">
                     <a:solidFill>
                       <a:srgbClr val="000000"/>
                     </a:solidFill>
@@ -9994,7 +9994,7 @@
               </a:ln>
               <a:extLst>
                 <a:ext uri="{91240B29-F687-4f45-9708-019B960494DF}">
-                  <a14:hiddenLine xmlns="" xmlns:a14="http://schemas.microsoft.com/office/drawing/2010/main" w="9525">
+                  <a14:hiddenLine xmlns:a14="http://schemas.microsoft.com/office/drawing/2010/main" xmlns="" w="9525">
                     <a:solidFill>
                       <a:srgbClr val="000000"/>
                     </a:solidFill>
@@ -10056,7 +10056,7 @@
               </a:ln>
               <a:extLst>
                 <a:ext uri="{91240B29-F687-4f45-9708-019B960494DF}">
-                  <a14:hiddenLine xmlns="" xmlns:a14="http://schemas.microsoft.com/office/drawing/2010/main" w="9525">
+                  <a14:hiddenLine xmlns:a14="http://schemas.microsoft.com/office/drawing/2010/main" xmlns="" w="9525">
                     <a:solidFill>
                       <a:srgbClr val="000000"/>
                     </a:solidFill>
@@ -10118,7 +10118,7 @@
               </a:ln>
               <a:extLst>
                 <a:ext uri="{91240B29-F687-4f45-9708-019B960494DF}">
-                  <a14:hiddenLine xmlns="" xmlns:a14="http://schemas.microsoft.com/office/drawing/2010/main" w="9525">
+                  <a14:hiddenLine xmlns:a14="http://schemas.microsoft.com/office/drawing/2010/main" xmlns="" w="9525">
                     <a:solidFill>
                       <a:srgbClr val="000000"/>
                     </a:solidFill>
@@ -10208,7 +10208,7 @@
               </a:ln>
               <a:extLst>
                 <a:ext uri="{91240B29-F687-4f45-9708-019B960494DF}">
-                  <a14:hiddenLine xmlns="" xmlns:a14="http://schemas.microsoft.com/office/drawing/2010/main" w="9525">
+                  <a14:hiddenLine xmlns:a14="http://schemas.microsoft.com/office/drawing/2010/main" xmlns="" w="9525">
                     <a:solidFill>
                       <a:srgbClr val="000000"/>
                     </a:solidFill>
@@ -10298,7 +10298,7 @@
               </a:ln>
               <a:extLst>
                 <a:ext uri="{91240B29-F687-4f45-9708-019B960494DF}">
-                  <a14:hiddenLine xmlns="" xmlns:a14="http://schemas.microsoft.com/office/drawing/2010/main" w="9525">
+                  <a14:hiddenLine xmlns:a14="http://schemas.microsoft.com/office/drawing/2010/main" xmlns="" w="9525">
                     <a:solidFill>
                       <a:srgbClr val="000000"/>
                     </a:solidFill>
@@ -10360,7 +10360,7 @@
               </a:ln>
               <a:extLst>
                 <a:ext uri="{91240B29-F687-4f45-9708-019B960494DF}">
-                  <a14:hiddenLine xmlns="" xmlns:a14="http://schemas.microsoft.com/office/drawing/2010/main" w="9525">
+                  <a14:hiddenLine xmlns:a14="http://schemas.microsoft.com/office/drawing/2010/main" xmlns="" w="9525">
                     <a:solidFill>
                       <a:srgbClr val="000000"/>
                     </a:solidFill>
@@ -10470,7 +10470,7 @@
               </a:ln>
               <a:extLst>
                 <a:ext uri="{91240B29-F687-4f45-9708-019B960494DF}">
-                  <a14:hiddenLine xmlns="" xmlns:a14="http://schemas.microsoft.com/office/drawing/2010/main" w="9525">
+                  <a14:hiddenLine xmlns:a14="http://schemas.microsoft.com/office/drawing/2010/main" xmlns="" w="9525">
                     <a:solidFill>
                       <a:srgbClr val="000000"/>
                     </a:solidFill>
@@ -10554,7 +10554,7 @@
               </a:ln>
               <a:extLst>
                 <a:ext uri="{91240B29-F687-4f45-9708-019B960494DF}">
-                  <a14:hiddenLine xmlns="" xmlns:a14="http://schemas.microsoft.com/office/drawing/2010/main" w="9525">
+                  <a14:hiddenLine xmlns:a14="http://schemas.microsoft.com/office/drawing/2010/main" xmlns="" w="9525">
                     <a:solidFill>
                       <a:srgbClr val="000000"/>
                     </a:solidFill>
@@ -10616,7 +10616,7 @@
               </a:ln>
               <a:extLst>
                 <a:ext uri="{91240B29-F687-4f45-9708-019B960494DF}">
-                  <a14:hiddenLine xmlns="" xmlns:a14="http://schemas.microsoft.com/office/drawing/2010/main" w="9525">
+                  <a14:hiddenLine xmlns:a14="http://schemas.microsoft.com/office/drawing/2010/main" xmlns="" w="9525">
                     <a:solidFill>
                       <a:srgbClr val="000000"/>
                     </a:solidFill>
@@ -10678,7 +10678,7 @@
               </a:ln>
               <a:extLst>
                 <a:ext uri="{91240B29-F687-4f45-9708-019B960494DF}">
-                  <a14:hiddenLine xmlns="" xmlns:a14="http://schemas.microsoft.com/office/drawing/2010/main" w="9525">
+                  <a14:hiddenLine xmlns:a14="http://schemas.microsoft.com/office/drawing/2010/main" xmlns="" w="9525">
                     <a:solidFill>
                       <a:srgbClr val="000000"/>
                     </a:solidFill>
@@ -10768,7 +10768,7 @@
               </a:ln>
               <a:extLst>
                 <a:ext uri="{91240B29-F687-4f45-9708-019B960494DF}">
-                  <a14:hiddenLine xmlns="" xmlns:a14="http://schemas.microsoft.com/office/drawing/2010/main" w="9525">
+                  <a14:hiddenLine xmlns:a14="http://schemas.microsoft.com/office/drawing/2010/main" xmlns="" w="9525">
                     <a:solidFill>
                       <a:srgbClr val="000000"/>
                     </a:solidFill>
@@ -10802,7 +10802,7 @@
               </a:ln>
               <a:extLst>
                 <a:ext uri="{91240B29-F687-4f45-9708-019B960494DF}">
-                  <a14:hiddenLine xmlns="" xmlns:a14="http://schemas.microsoft.com/office/drawing/2010/main" w="9525">
+                  <a14:hiddenLine xmlns:a14="http://schemas.microsoft.com/office/drawing/2010/main" xmlns="" w="9525">
                     <a:solidFill>
                       <a:srgbClr val="000000"/>
                     </a:solidFill>
@@ -10867,7 +10867,7 @@
               </a:ln>
               <a:extLst>
                 <a:ext uri="{91240B29-F687-4f45-9708-019B960494DF}">
-                  <a14:hiddenLine xmlns="" xmlns:a14="http://schemas.microsoft.com/office/drawing/2010/main" w="9525">
+                  <a14:hiddenLine xmlns:a14="http://schemas.microsoft.com/office/drawing/2010/main" xmlns="" w="9525">
                     <a:solidFill>
                       <a:srgbClr val="000000"/>
                     </a:solidFill>
@@ -10957,7 +10957,7 @@
               </a:ln>
               <a:extLst>
                 <a:ext uri="{91240B29-F687-4f45-9708-019B960494DF}">
-                  <a14:hiddenLine xmlns="" xmlns:a14="http://schemas.microsoft.com/office/drawing/2010/main" w="9525">
+                  <a14:hiddenLine xmlns:a14="http://schemas.microsoft.com/office/drawing/2010/main" xmlns="" w="9525">
                     <a:solidFill>
                       <a:srgbClr val="000000"/>
                     </a:solidFill>
@@ -11019,7 +11019,7 @@
               </a:ln>
               <a:extLst>
                 <a:ext uri="{91240B29-F687-4f45-9708-019B960494DF}">
-                  <a14:hiddenLine xmlns="" xmlns:a14="http://schemas.microsoft.com/office/drawing/2010/main" w="9525">
+                  <a14:hiddenLine xmlns:a14="http://schemas.microsoft.com/office/drawing/2010/main" xmlns="" w="9525">
                     <a:solidFill>
                       <a:srgbClr val="000000"/>
                     </a:solidFill>
@@ -11109,7 +11109,7 @@
               </a:ln>
               <a:extLst>
                 <a:ext uri="{91240B29-F687-4f45-9708-019B960494DF}">
-                  <a14:hiddenLine xmlns="" xmlns:a14="http://schemas.microsoft.com/office/drawing/2010/main" w="9525">
+                  <a14:hiddenLine xmlns:a14="http://schemas.microsoft.com/office/drawing/2010/main" xmlns="" w="9525">
                     <a:solidFill>
                       <a:srgbClr val="000000"/>
                     </a:solidFill>
@@ -11174,7 +11174,7 @@
               </a:ln>
               <a:extLst>
                 <a:ext uri="{91240B29-F687-4f45-9708-019B960494DF}">
-                  <a14:hiddenLine xmlns="" xmlns:a14="http://schemas.microsoft.com/office/drawing/2010/main" w="9525">
+                  <a14:hiddenLine xmlns:a14="http://schemas.microsoft.com/office/drawing/2010/main" xmlns="" w="9525">
                     <a:solidFill>
                       <a:srgbClr val="000000"/>
                     </a:solidFill>
@@ -11236,7 +11236,7 @@
               </a:ln>
               <a:extLst>
                 <a:ext uri="{91240B29-F687-4f45-9708-019B960494DF}">
-                  <a14:hiddenLine xmlns="" xmlns:a14="http://schemas.microsoft.com/office/drawing/2010/main" w="9525">
+                  <a14:hiddenLine xmlns:a14="http://schemas.microsoft.com/office/drawing/2010/main" xmlns="" w="9525">
                     <a:solidFill>
                       <a:srgbClr val="000000"/>
                     </a:solidFill>
@@ -11326,7 +11326,7 @@
               </a:ln>
               <a:extLst>
                 <a:ext uri="{91240B29-F687-4f45-9708-019B960494DF}">
-                  <a14:hiddenLine xmlns="" xmlns:a14="http://schemas.microsoft.com/office/drawing/2010/main" w="9525">
+                  <a14:hiddenLine xmlns:a14="http://schemas.microsoft.com/office/drawing/2010/main" xmlns="" w="9525">
                     <a:solidFill>
                       <a:srgbClr val="000000"/>
                     </a:solidFill>
@@ -11416,7 +11416,7 @@
               </a:ln>
               <a:extLst>
                 <a:ext uri="{91240B29-F687-4f45-9708-019B960494DF}">
-                  <a14:hiddenLine xmlns="" xmlns:a14="http://schemas.microsoft.com/office/drawing/2010/main" w="9525">
+                  <a14:hiddenLine xmlns:a14="http://schemas.microsoft.com/office/drawing/2010/main" xmlns="" w="9525">
                     <a:solidFill>
                       <a:srgbClr val="000000"/>
                     </a:solidFill>
@@ -11481,7 +11481,7 @@
               </a:ln>
               <a:extLst>
                 <a:ext uri="{91240B29-F687-4f45-9708-019B960494DF}">
-                  <a14:hiddenLine xmlns="" xmlns:a14="http://schemas.microsoft.com/office/drawing/2010/main" w="9525">
+                  <a14:hiddenLine xmlns:a14="http://schemas.microsoft.com/office/drawing/2010/main" xmlns="" w="9525">
                     <a:solidFill>
                       <a:srgbClr val="000000"/>
                     </a:solidFill>
@@ -11601,7 +11601,7 @@
               </a:ln>
               <a:extLst>
                 <a:ext uri="{91240B29-F687-4f45-9708-019B960494DF}">
-                  <a14:hiddenLine xmlns="" xmlns:a14="http://schemas.microsoft.com/office/drawing/2010/main" w="9525">
+                  <a14:hiddenLine xmlns:a14="http://schemas.microsoft.com/office/drawing/2010/main" xmlns="" w="9525">
                     <a:solidFill>
                       <a:srgbClr val="000000"/>
                     </a:solidFill>
@@ -11699,7 +11699,7 @@
               </a:ln>
               <a:extLst>
                 <a:ext uri="{91240B29-F687-4f45-9708-019B960494DF}">
-                  <a14:hiddenLine xmlns="" xmlns:a14="http://schemas.microsoft.com/office/drawing/2010/main" w="9525">
+                  <a14:hiddenLine xmlns:a14="http://schemas.microsoft.com/office/drawing/2010/main" xmlns="" w="9525">
                     <a:solidFill>
                       <a:srgbClr val="000000"/>
                     </a:solidFill>
@@ -11814,7 +11814,7 @@
               </a:ln>
               <a:extLst>
                 <a:ext uri="{91240B29-F687-4f45-9708-019B960494DF}">
-                  <a14:hiddenLine xmlns="" xmlns:a14="http://schemas.microsoft.com/office/drawing/2010/main" w="9525">
+                  <a14:hiddenLine xmlns:a14="http://schemas.microsoft.com/office/drawing/2010/main" xmlns="" w="9525">
                     <a:solidFill>
                       <a:srgbClr val="000000"/>
                     </a:solidFill>
@@ -11904,7 +11904,7 @@
               </a:ln>
               <a:extLst>
                 <a:ext uri="{91240B29-F687-4f45-9708-019B960494DF}">
-                  <a14:hiddenLine xmlns="" xmlns:a14="http://schemas.microsoft.com/office/drawing/2010/main" w="9525">
+                  <a14:hiddenLine xmlns:a14="http://schemas.microsoft.com/office/drawing/2010/main" xmlns="" w="9525">
                     <a:solidFill>
                       <a:srgbClr val="000000"/>
                     </a:solidFill>
@@ -11969,7 +11969,7 @@
               </a:ln>
               <a:extLst>
                 <a:ext uri="{91240B29-F687-4f45-9708-019B960494DF}">
-                  <a14:hiddenLine xmlns="" xmlns:a14="http://schemas.microsoft.com/office/drawing/2010/main" w="9525">
+                  <a14:hiddenLine xmlns:a14="http://schemas.microsoft.com/office/drawing/2010/main" xmlns="" w="9525">
                     <a:solidFill>
                       <a:srgbClr val="000000"/>
                     </a:solidFill>
@@ -12059,7 +12059,7 @@
               </a:ln>
               <a:extLst>
                 <a:ext uri="{91240B29-F687-4f45-9708-019B960494DF}">
-                  <a14:hiddenLine xmlns="" xmlns:a14="http://schemas.microsoft.com/office/drawing/2010/main" w="9525">
+                  <a14:hiddenLine xmlns:a14="http://schemas.microsoft.com/office/drawing/2010/main" xmlns="" w="9525">
                     <a:solidFill>
                       <a:srgbClr val="000000"/>
                     </a:solidFill>
@@ -12127,7 +12127,7 @@
               </a:ln>
               <a:extLst>
                 <a:ext uri="{91240B29-F687-4f45-9708-019B960494DF}">
-                  <a14:hiddenLine xmlns="" xmlns:a14="http://schemas.microsoft.com/office/drawing/2010/main" w="9525">
+                  <a14:hiddenLine xmlns:a14="http://schemas.microsoft.com/office/drawing/2010/main" xmlns="" w="9525">
                     <a:solidFill>
                       <a:srgbClr val="000000"/>
                     </a:solidFill>
@@ -12217,7 +12217,7 @@
               </a:ln>
               <a:extLst>
                 <a:ext uri="{91240B29-F687-4f45-9708-019B960494DF}">
-                  <a14:hiddenLine xmlns="" xmlns:a14="http://schemas.microsoft.com/office/drawing/2010/main" w="9525">
+                  <a14:hiddenLine xmlns:a14="http://schemas.microsoft.com/office/drawing/2010/main" xmlns="" w="9525">
                     <a:solidFill>
                       <a:srgbClr val="000000"/>
                     </a:solidFill>
@@ -12285,7 +12285,7 @@
               </a:ln>
               <a:extLst>
                 <a:ext uri="{91240B29-F687-4f45-9708-019B960494DF}">
-                  <a14:hiddenLine xmlns="" xmlns:a14="http://schemas.microsoft.com/office/drawing/2010/main" w="9525">
+                  <a14:hiddenLine xmlns:a14="http://schemas.microsoft.com/office/drawing/2010/main" xmlns="" w="9525">
                     <a:solidFill>
                       <a:srgbClr val="000000"/>
                     </a:solidFill>
@@ -12375,7 +12375,7 @@
               </a:ln>
               <a:extLst>
                 <a:ext uri="{91240B29-F687-4f45-9708-019B960494DF}">
-                  <a14:hiddenLine xmlns="" xmlns:a14="http://schemas.microsoft.com/office/drawing/2010/main" w="9525">
+                  <a14:hiddenLine xmlns:a14="http://schemas.microsoft.com/office/drawing/2010/main" xmlns="" w="9525">
                     <a:solidFill>
                       <a:srgbClr val="000000"/>
                     </a:solidFill>
@@ -12409,7 +12409,7 @@
               </a:ln>
               <a:extLst>
                 <a:ext uri="{91240B29-F687-4f45-9708-019B960494DF}">
-                  <a14:hiddenLine xmlns="" xmlns:a14="http://schemas.microsoft.com/office/drawing/2010/main" w="9525">
+                  <a14:hiddenLine xmlns:a14="http://schemas.microsoft.com/office/drawing/2010/main" xmlns="" w="9525">
                     <a:solidFill>
                       <a:srgbClr val="000000"/>
                     </a:solidFill>
@@ -13237,7 +13237,7 @@
         </p:nvSpPr>
         <p:spPr>
           <a:xfrm>
-            <a:off x="6236208" y="1042416"/>
+            <a:off x="6693409" y="960120"/>
             <a:ext cx="4471416" cy="4425696"/>
           </a:xfrm>
           <a:prstGeom prst="rect">
@@ -13290,26 +13290,27 @@
         </p:nvSpPr>
         <p:spPr>
           <a:xfrm>
-            <a:off x="2048256" y="3000566"/>
-            <a:ext cx="3886200" cy="1315402"/>
+            <a:off x="6264617" y="5223888"/>
+            <a:ext cx="5385816" cy="1481328"/>
           </a:xfrm>
         </p:spPr>
         <p:txBody>
           <a:bodyPr>
-            <a:normAutofit fontScale="90000"/>
+            <a:normAutofit/>
           </a:bodyPr>
           <a:lstStyle/>
           <a:p>
+            <a:pPr algn="ctr"/>
             <a:r>
-              <a:rPr lang="ru-RU" dirty="0"/>
-              <a:t>Скачать программу можно по ссылке или </a:t>
+              <a:rPr lang="ru-RU" sz="4000" dirty="0"/>
+              <a:t>Скачать программу можно по </a:t>
             </a:r>
             <a:r>
-              <a:rPr lang="en-US" dirty="0"/>
+              <a:rPr lang="en-US" sz="4000" dirty="0"/>
               <a:t>QR-</a:t>
             </a:r>
             <a:r>
-              <a:rPr lang="ru-RU" dirty="0"/>
+              <a:rPr lang="ru-RU" sz="4000" dirty="0"/>
               <a:t>коду</a:t>
             </a:r>
           </a:p>
@@ -13344,6 +13345,194 @@
           <a:lstStyle/>
           <a:p>
             <a:endParaRPr lang="ru-RU" sz="3200" dirty="0"/>
+          </a:p>
+        </p:txBody>
+      </p:sp>
+      <p:pic>
+        <p:nvPicPr>
+          <p:cNvPr id="4" name="Рисунок 3">
+            <a:extLst>
+              <a:ext uri="{FF2B5EF4-FFF2-40B4-BE49-F238E27FC236}">
+                <a16:creationId xmlns:a16="http://schemas.microsoft.com/office/drawing/2014/main" id="{C5677572-C891-9716-ACB3-E25999251BD0}"/>
+              </a:ext>
+            </a:extLst>
+          </p:cNvPr>
+          <p:cNvPicPr>
+            <a:picLocks noChangeAspect="1"/>
+          </p:cNvPicPr>
+          <p:nvPr/>
+        </p:nvPicPr>
+        <p:blipFill>
+          <a:blip r:embed="rId3">
+            <a:extLst>
+              <a:ext uri="{96DAC541-7B7A-43D3-8B79-37D633B846F1}">
+                <asvg:svgBlip xmlns:asvg="http://schemas.microsoft.com/office/drawing/2016/SVG/main" r:embed="rId4"/>
+              </a:ext>
+            </a:extLst>
+          </a:blip>
+          <a:stretch>
+            <a:fillRect/>
+          </a:stretch>
+        </p:blipFill>
+        <p:spPr>
+          <a:xfrm>
+            <a:off x="7131035" y="1374886"/>
+            <a:ext cx="3596164" cy="3596164"/>
+          </a:xfrm>
+          <a:prstGeom prst="rect">
+            <a:avLst/>
+          </a:prstGeom>
+        </p:spPr>
+      </p:pic>
+      <p:sp>
+        <p:nvSpPr>
+          <p:cNvPr id="5" name="Прямоугольник 4">
+            <a:extLst>
+              <a:ext uri="{FF2B5EF4-FFF2-40B4-BE49-F238E27FC236}">
+                <a16:creationId xmlns:a16="http://schemas.microsoft.com/office/drawing/2014/main" id="{C8FA5DF7-E09C-0C1B-6AE9-D0F1AF48A347}"/>
+              </a:ext>
+            </a:extLst>
+          </p:cNvPr>
+          <p:cNvSpPr/>
+          <p:nvPr/>
+        </p:nvSpPr>
+        <p:spPr>
+          <a:xfrm>
+            <a:off x="1027177" y="960120"/>
+            <a:ext cx="4471416" cy="4425696"/>
+          </a:xfrm>
+          <a:prstGeom prst="rect">
+            <a:avLst/>
+          </a:prstGeom>
+          <a:solidFill>
+            <a:schemeClr val="tx1"/>
+          </a:solidFill>
+        </p:spPr>
+        <p:style>
+          <a:lnRef idx="2">
+            <a:schemeClr val="accent1">
+              <a:shade val="15000"/>
+            </a:schemeClr>
+          </a:lnRef>
+          <a:fillRef idx="1">
+            <a:schemeClr val="accent1"/>
+          </a:fillRef>
+          <a:effectRef idx="0">
+            <a:schemeClr val="accent1"/>
+          </a:effectRef>
+          <a:fontRef idx="minor">
+            <a:schemeClr val="lt1"/>
+          </a:fontRef>
+        </p:style>
+        <p:txBody>
+          <a:bodyPr rtlCol="0" anchor="ctr"/>
+          <a:lstStyle/>
+          <a:p>
+            <a:pPr algn="ctr"/>
+            <a:endParaRPr lang="ru-RU"/>
+          </a:p>
+        </p:txBody>
+      </p:sp>
+      <p:pic>
+        <p:nvPicPr>
+          <p:cNvPr id="7" name="Рисунок 6">
+            <a:extLst>
+              <a:ext uri="{FF2B5EF4-FFF2-40B4-BE49-F238E27FC236}">
+                <a16:creationId xmlns:a16="http://schemas.microsoft.com/office/drawing/2014/main" id="{BD757C13-6FE9-F1E6-B671-42EA68FF7694}"/>
+              </a:ext>
+            </a:extLst>
+          </p:cNvPr>
+          <p:cNvPicPr>
+            <a:picLocks noChangeAspect="1"/>
+          </p:cNvPicPr>
+          <p:nvPr/>
+        </p:nvPicPr>
+        <p:blipFill>
+          <a:blip r:embed="rId5">
+            <a:extLst>
+              <a:ext uri="{96DAC541-7B7A-43D3-8B79-37D633B846F1}">
+                <asvg:svgBlip xmlns:asvg="http://schemas.microsoft.com/office/drawing/2016/SVG/main" r:embed="rId6"/>
+              </a:ext>
+            </a:extLst>
+          </a:blip>
+          <a:stretch>
+            <a:fillRect/>
+          </a:stretch>
+        </p:blipFill>
+        <p:spPr>
+          <a:xfrm>
+            <a:off x="1379222" y="1374885"/>
+            <a:ext cx="3710511" cy="3710511"/>
+          </a:xfrm>
+          <a:prstGeom prst="rect">
+            <a:avLst/>
+          </a:prstGeom>
+        </p:spPr>
+      </p:pic>
+      <p:sp>
+        <p:nvSpPr>
+          <p:cNvPr id="10" name="Заголовок 1">
+            <a:extLst>
+              <a:ext uri="{FF2B5EF4-FFF2-40B4-BE49-F238E27FC236}">
+                <a16:creationId xmlns:a16="http://schemas.microsoft.com/office/drawing/2014/main" id="{CD0CD9E5-F201-881A-4DAC-1A463BD3F138}"/>
+              </a:ext>
+            </a:extLst>
+          </p:cNvPr>
+          <p:cNvSpPr txBox="1">
+            <a:spLocks/>
+          </p:cNvSpPr>
+          <p:nvPr/>
+        </p:nvSpPr>
+        <p:spPr>
+          <a:xfrm>
+            <a:off x="541567" y="5223888"/>
+            <a:ext cx="5385816" cy="1481328"/>
+          </a:xfrm>
+          <a:prstGeom prst="rect">
+            <a:avLst/>
+          </a:prstGeom>
+        </p:spPr>
+        <p:txBody>
+          <a:bodyPr vert="horz" lIns="91440" tIns="45720" rIns="91440" bIns="45720" rtlCol="0" anchor="b">
+            <a:normAutofit fontScale="97500"/>
+          </a:bodyPr>
+          <a:lstStyle>
+            <a:lvl1pPr algn="l" defTabSz="914400" rtl="0" eaLnBrk="1" latinLnBrk="0" hangingPunct="1">
+              <a:lnSpc>
+                <a:spcPct val="90000"/>
+              </a:lnSpc>
+              <a:spcBef>
+                <a:spcPct val="0"/>
+              </a:spcBef>
+              <a:buNone/>
+              <a:defRPr sz="4800" kern="1200" cap="all" baseline="0">
+                <a:solidFill>
+                  <a:schemeClr val="tx1"/>
+                </a:solidFill>
+                <a:latin typeface="+mj-lt"/>
+                <a:ea typeface="+mj-ea"/>
+                <a:cs typeface="+mj-cs"/>
+              </a:defRPr>
+            </a:lvl1pPr>
+          </a:lstStyle>
+          <a:p>
+            <a:pPr algn="ctr"/>
+            <a:r>
+              <a:rPr lang="ru-RU" sz="4000" dirty="0"/>
+              <a:t>Ссылка на </a:t>
+            </a:r>
+            <a:r>
+              <a:rPr lang="en-US" sz="4000" dirty="0" err="1"/>
+              <a:t>github</a:t>
+            </a:r>
+            <a:r>
+              <a:rPr lang="en-US" sz="4000" dirty="0"/>
+              <a:t> </a:t>
+            </a:r>
+            <a:r>
+              <a:rPr lang="ru-RU" sz="4000" dirty="0"/>
+              <a:t>проекта</a:t>
+            </a:r>
           </a:p>
         </p:txBody>
       </p:sp>

--- a/Приложение для стеганографии.pptx
+++ b/Приложение для стеганографии.pptx
@@ -695,7 +695,7 @@
           <a:noFill/>
           <a:extLst>
             <a:ext uri="{909E8E84-426E-40dd-AFC4-6F175D3DCCD1}">
-              <a14:hiddenFill xmlns:a14="http://schemas.microsoft.com/office/drawing/2010/main" xmlns="">
+              <a14:hiddenFill xmlns="" xmlns:a14="http://schemas.microsoft.com/office/drawing/2010/main">
                 <a:solidFill>
                   <a:srgbClr val="FFFFFF"/>
                 </a:solidFill>
@@ -755,7 +755,7 @@
             </a:ln>
             <a:extLst>
               <a:ext uri="{91240B29-F687-4f45-9708-019B960494DF}">
-                <a14:hiddenLine xmlns:a14="http://schemas.microsoft.com/office/drawing/2010/main" xmlns="" w="9525">
+                <a14:hiddenLine xmlns="" xmlns:a14="http://schemas.microsoft.com/office/drawing/2010/main" w="9525">
                   <a:solidFill>
                     <a:srgbClr val="000000"/>
                   </a:solidFill>
@@ -845,7 +845,7 @@
             </a:ln>
             <a:extLst>
               <a:ext uri="{91240B29-F687-4f45-9708-019B960494DF}">
-                <a14:hiddenLine xmlns:a14="http://schemas.microsoft.com/office/drawing/2010/main" xmlns="" w="9525">
+                <a14:hiddenLine xmlns="" xmlns:a14="http://schemas.microsoft.com/office/drawing/2010/main" w="9525">
                   <a:solidFill>
                     <a:srgbClr val="000000"/>
                   </a:solidFill>
@@ -935,7 +935,7 @@
             </a:ln>
             <a:extLst>
               <a:ext uri="{91240B29-F687-4f45-9708-019B960494DF}">
-                <a14:hiddenLine xmlns:a14="http://schemas.microsoft.com/office/drawing/2010/main" xmlns="" w="9525">
+                <a14:hiddenLine xmlns="" xmlns:a14="http://schemas.microsoft.com/office/drawing/2010/main" w="9525">
                   <a:solidFill>
                     <a:srgbClr val="000000"/>
                   </a:solidFill>
@@ -969,7 +969,7 @@
             </a:ln>
             <a:extLst>
               <a:ext uri="{91240B29-F687-4f45-9708-019B960494DF}">
-                <a14:hiddenLine xmlns:a14="http://schemas.microsoft.com/office/drawing/2010/main" xmlns="" w="9525">
+                <a14:hiddenLine xmlns="" xmlns:a14="http://schemas.microsoft.com/office/drawing/2010/main" w="9525">
                   <a:solidFill>
                     <a:srgbClr val="000000"/>
                   </a:solidFill>
@@ -1059,7 +1059,7 @@
             </a:ln>
             <a:extLst>
               <a:ext uri="{91240B29-F687-4f45-9708-019B960494DF}">
-                <a14:hiddenLine xmlns:a14="http://schemas.microsoft.com/office/drawing/2010/main" xmlns="" w="9525">
+                <a14:hiddenLine xmlns="" xmlns:a14="http://schemas.microsoft.com/office/drawing/2010/main" w="9525">
                   <a:solidFill>
                     <a:srgbClr val="000000"/>
                   </a:solidFill>
@@ -1121,7 +1121,7 @@
             </a:ln>
             <a:extLst>
               <a:ext uri="{91240B29-F687-4f45-9708-019B960494DF}">
-                <a14:hiddenLine xmlns:a14="http://schemas.microsoft.com/office/drawing/2010/main" xmlns="" w="9525">
+                <a14:hiddenLine xmlns="" xmlns:a14="http://schemas.microsoft.com/office/drawing/2010/main" w="9525">
                   <a:solidFill>
                     <a:srgbClr val="000000"/>
                   </a:solidFill>
@@ -1183,7 +1183,7 @@
             </a:ln>
             <a:extLst>
               <a:ext uri="{91240B29-F687-4f45-9708-019B960494DF}">
-                <a14:hiddenLine xmlns:a14="http://schemas.microsoft.com/office/drawing/2010/main" xmlns="" w="9525">
+                <a14:hiddenLine xmlns="" xmlns:a14="http://schemas.microsoft.com/office/drawing/2010/main" w="9525">
                   <a:solidFill>
                     <a:srgbClr val="000000"/>
                   </a:solidFill>
@@ -1273,7 +1273,7 @@
             </a:ln>
             <a:extLst>
               <a:ext uri="{91240B29-F687-4f45-9708-019B960494DF}">
-                <a14:hiddenLine xmlns:a14="http://schemas.microsoft.com/office/drawing/2010/main" xmlns="" w="9525">
+                <a14:hiddenLine xmlns="" xmlns:a14="http://schemas.microsoft.com/office/drawing/2010/main" w="9525">
                   <a:solidFill>
                     <a:srgbClr val="000000"/>
                   </a:solidFill>
@@ -1335,7 +1335,7 @@
             </a:ln>
             <a:extLst>
               <a:ext uri="{91240B29-F687-4f45-9708-019B960494DF}">
-                <a14:hiddenLine xmlns:a14="http://schemas.microsoft.com/office/drawing/2010/main" xmlns="" w="9525">
+                <a14:hiddenLine xmlns="" xmlns:a14="http://schemas.microsoft.com/office/drawing/2010/main" w="9525">
                   <a:solidFill>
                     <a:srgbClr val="000000"/>
                   </a:solidFill>
@@ -1397,7 +1397,7 @@
             </a:ln>
             <a:extLst>
               <a:ext uri="{91240B29-F687-4f45-9708-019B960494DF}">
-                <a14:hiddenLine xmlns:a14="http://schemas.microsoft.com/office/drawing/2010/main" xmlns="" w="9525">
+                <a14:hiddenLine xmlns="" xmlns:a14="http://schemas.microsoft.com/office/drawing/2010/main" w="9525">
                   <a:solidFill>
                     <a:srgbClr val="000000"/>
                   </a:solidFill>
@@ -1487,7 +1487,7 @@
             </a:ln>
             <a:extLst>
               <a:ext uri="{91240B29-F687-4f45-9708-019B960494DF}">
-                <a14:hiddenLine xmlns:a14="http://schemas.microsoft.com/office/drawing/2010/main" xmlns="" w="9525">
+                <a14:hiddenLine xmlns="" xmlns:a14="http://schemas.microsoft.com/office/drawing/2010/main" w="9525">
                   <a:solidFill>
                     <a:srgbClr val="000000"/>
                   </a:solidFill>
@@ -1577,7 +1577,7 @@
             </a:ln>
             <a:extLst>
               <a:ext uri="{91240B29-F687-4f45-9708-019B960494DF}">
-                <a14:hiddenLine xmlns:a14="http://schemas.microsoft.com/office/drawing/2010/main" xmlns="" w="9525">
+                <a14:hiddenLine xmlns="" xmlns:a14="http://schemas.microsoft.com/office/drawing/2010/main" w="9525">
                   <a:solidFill>
                     <a:srgbClr val="000000"/>
                   </a:solidFill>
@@ -1639,7 +1639,7 @@
             </a:ln>
             <a:extLst>
               <a:ext uri="{91240B29-F687-4f45-9708-019B960494DF}">
-                <a14:hiddenLine xmlns:a14="http://schemas.microsoft.com/office/drawing/2010/main" xmlns="" w="9525">
+                <a14:hiddenLine xmlns="" xmlns:a14="http://schemas.microsoft.com/office/drawing/2010/main" w="9525">
                   <a:solidFill>
                     <a:srgbClr val="000000"/>
                   </a:solidFill>
@@ -1749,7 +1749,7 @@
             </a:ln>
             <a:extLst>
               <a:ext uri="{91240B29-F687-4f45-9708-019B960494DF}">
-                <a14:hiddenLine xmlns:a14="http://schemas.microsoft.com/office/drawing/2010/main" xmlns="" w="9525">
+                <a14:hiddenLine xmlns="" xmlns:a14="http://schemas.microsoft.com/office/drawing/2010/main" w="9525">
                   <a:solidFill>
                     <a:srgbClr val="000000"/>
                   </a:solidFill>
@@ -1811,7 +1811,7 @@
             </a:ln>
             <a:extLst>
               <a:ext uri="{91240B29-F687-4f45-9708-019B960494DF}">
-                <a14:hiddenLine xmlns:a14="http://schemas.microsoft.com/office/drawing/2010/main" xmlns="" w="9525">
+                <a14:hiddenLine xmlns="" xmlns:a14="http://schemas.microsoft.com/office/drawing/2010/main" w="9525">
                   <a:solidFill>
                     <a:srgbClr val="000000"/>
                   </a:solidFill>
@@ -1901,7 +1901,7 @@
             </a:ln>
             <a:extLst>
               <a:ext uri="{91240B29-F687-4f45-9708-019B960494DF}">
-                <a14:hiddenLine xmlns:a14="http://schemas.microsoft.com/office/drawing/2010/main" xmlns="" w="9525">
+                <a14:hiddenLine xmlns="" xmlns:a14="http://schemas.microsoft.com/office/drawing/2010/main" w="9525">
                   <a:solidFill>
                     <a:srgbClr val="000000"/>
                   </a:solidFill>
@@ -1991,7 +1991,7 @@
             </a:ln>
             <a:extLst>
               <a:ext uri="{91240B29-F687-4f45-9708-019B960494DF}">
-                <a14:hiddenLine xmlns:a14="http://schemas.microsoft.com/office/drawing/2010/main" xmlns="" w="9525">
+                <a14:hiddenLine xmlns="" xmlns:a14="http://schemas.microsoft.com/office/drawing/2010/main" w="9525">
                   <a:solidFill>
                     <a:srgbClr val="000000"/>
                   </a:solidFill>
@@ -2053,7 +2053,7 @@
             </a:ln>
             <a:extLst>
               <a:ext uri="{91240B29-F687-4f45-9708-019B960494DF}">
-                <a14:hiddenLine xmlns:a14="http://schemas.microsoft.com/office/drawing/2010/main" xmlns="" w="9525">
+                <a14:hiddenLine xmlns="" xmlns:a14="http://schemas.microsoft.com/office/drawing/2010/main" w="9525">
                   <a:solidFill>
                     <a:srgbClr val="000000"/>
                   </a:solidFill>
@@ -2143,7 +2143,7 @@
             </a:ln>
             <a:extLst>
               <a:ext uri="{91240B29-F687-4f45-9708-019B960494DF}">
-                <a14:hiddenLine xmlns:a14="http://schemas.microsoft.com/office/drawing/2010/main" xmlns="" w="9525">
+                <a14:hiddenLine xmlns="" xmlns:a14="http://schemas.microsoft.com/office/drawing/2010/main" w="9525">
                   <a:solidFill>
                     <a:srgbClr val="000000"/>
                   </a:solidFill>
@@ -2233,7 +2233,7 @@
             </a:ln>
             <a:extLst>
               <a:ext uri="{91240B29-F687-4f45-9708-019B960494DF}">
-                <a14:hiddenLine xmlns:a14="http://schemas.microsoft.com/office/drawing/2010/main" xmlns="" w="9525">
+                <a14:hiddenLine xmlns="" xmlns:a14="http://schemas.microsoft.com/office/drawing/2010/main" w="9525">
                   <a:solidFill>
                     <a:srgbClr val="000000"/>
                   </a:solidFill>
@@ -2289,7 +2289,7 @@
             </a:ln>
             <a:extLst>
               <a:ext uri="{91240B29-F687-4f45-9708-019B960494DF}">
-                <a14:hiddenLine xmlns:a14="http://schemas.microsoft.com/office/drawing/2010/main" xmlns="" w="9525">
+                <a14:hiddenLine xmlns="" xmlns:a14="http://schemas.microsoft.com/office/drawing/2010/main" w="9525">
                   <a:solidFill>
                     <a:srgbClr val="000000"/>
                   </a:solidFill>
@@ -2379,7 +2379,7 @@
             </a:ln>
             <a:extLst>
               <a:ext uri="{91240B29-F687-4f45-9708-019B960494DF}">
-                <a14:hiddenLine xmlns:a14="http://schemas.microsoft.com/office/drawing/2010/main" xmlns="" w="9525">
+                <a14:hiddenLine xmlns="" xmlns:a14="http://schemas.microsoft.com/office/drawing/2010/main" w="9525">
                   <a:solidFill>
                     <a:srgbClr val="000000"/>
                   </a:solidFill>
@@ -2435,7 +2435,7 @@
             </a:ln>
             <a:extLst>
               <a:ext uri="{91240B29-F687-4f45-9708-019B960494DF}">
-                <a14:hiddenLine xmlns:a14="http://schemas.microsoft.com/office/drawing/2010/main" xmlns="" w="9525">
+                <a14:hiddenLine xmlns="" xmlns:a14="http://schemas.microsoft.com/office/drawing/2010/main" w="9525">
                   <a:solidFill>
                     <a:srgbClr val="000000"/>
                   </a:solidFill>
@@ -2525,7 +2525,7 @@
             </a:ln>
             <a:extLst>
               <a:ext uri="{91240B29-F687-4f45-9708-019B960494DF}">
-                <a14:hiddenLine xmlns:a14="http://schemas.microsoft.com/office/drawing/2010/main" xmlns="" w="9525">
+                <a14:hiddenLine xmlns="" xmlns:a14="http://schemas.microsoft.com/office/drawing/2010/main" w="9525">
                   <a:solidFill>
                     <a:srgbClr val="000000"/>
                   </a:solidFill>
@@ -2593,7 +2593,7 @@
             </a:ln>
             <a:extLst>
               <a:ext uri="{91240B29-F687-4f45-9708-019B960494DF}">
-                <a14:hiddenLine xmlns:a14="http://schemas.microsoft.com/office/drawing/2010/main" xmlns="" w="9525">
+                <a14:hiddenLine xmlns="" xmlns:a14="http://schemas.microsoft.com/office/drawing/2010/main" w="9525">
                   <a:solidFill>
                     <a:srgbClr val="000000"/>
                   </a:solidFill>
@@ -2683,7 +2683,7 @@
             </a:ln>
             <a:extLst>
               <a:ext uri="{91240B29-F687-4f45-9708-019B960494DF}">
-                <a14:hiddenLine xmlns:a14="http://schemas.microsoft.com/office/drawing/2010/main" xmlns="" w="9525">
+                <a14:hiddenLine xmlns="" xmlns:a14="http://schemas.microsoft.com/office/drawing/2010/main" w="9525">
                   <a:solidFill>
                     <a:srgbClr val="000000"/>
                   </a:solidFill>
@@ -2751,7 +2751,7 @@
             </a:ln>
             <a:extLst>
               <a:ext uri="{91240B29-F687-4f45-9708-019B960494DF}">
-                <a14:hiddenLine xmlns:a14="http://schemas.microsoft.com/office/drawing/2010/main" xmlns="" w="9525">
+                <a14:hiddenLine xmlns="" xmlns:a14="http://schemas.microsoft.com/office/drawing/2010/main" w="9525">
                   <a:solidFill>
                     <a:srgbClr val="000000"/>
                   </a:solidFill>
@@ -2841,7 +2841,7 @@
             </a:ln>
             <a:extLst>
               <a:ext uri="{91240B29-F687-4f45-9708-019B960494DF}">
-                <a14:hiddenLine xmlns:a14="http://schemas.microsoft.com/office/drawing/2010/main" xmlns="" w="9525">
+                <a14:hiddenLine xmlns="" xmlns:a14="http://schemas.microsoft.com/office/drawing/2010/main" w="9525">
                   <a:solidFill>
                     <a:srgbClr val="000000"/>
                   </a:solidFill>
@@ -2875,7 +2875,7 @@
             </a:ln>
             <a:extLst>
               <a:ext uri="{91240B29-F687-4f45-9708-019B960494DF}">
-                <a14:hiddenLine xmlns:a14="http://schemas.microsoft.com/office/drawing/2010/main" xmlns="" w="9525">
+                <a14:hiddenLine xmlns="" xmlns:a14="http://schemas.microsoft.com/office/drawing/2010/main" w="9525">
                   <a:solidFill>
                     <a:srgbClr val="000000"/>
                   </a:solidFill>
@@ -2965,7 +2965,7 @@
             </a:ln>
             <a:extLst>
               <a:ext uri="{91240B29-F687-4f45-9708-019B960494DF}">
-                <a14:hiddenLine xmlns:a14="http://schemas.microsoft.com/office/drawing/2010/main" xmlns="" w="9525">
+                <a14:hiddenLine xmlns="" xmlns:a14="http://schemas.microsoft.com/office/drawing/2010/main" w="9525">
                   <a:solidFill>
                     <a:srgbClr val="000000"/>
                   </a:solidFill>
@@ -3027,7 +3027,7 @@
             </a:ln>
             <a:extLst>
               <a:ext uri="{91240B29-F687-4f45-9708-019B960494DF}">
-                <a14:hiddenLine xmlns:a14="http://schemas.microsoft.com/office/drawing/2010/main" xmlns="" w="9525">
+                <a14:hiddenLine xmlns="" xmlns:a14="http://schemas.microsoft.com/office/drawing/2010/main" w="9525">
                   <a:solidFill>
                     <a:srgbClr val="000000"/>
                   </a:solidFill>
@@ -3089,7 +3089,7 @@
             </a:ln>
             <a:extLst>
               <a:ext uri="{91240B29-F687-4f45-9708-019B960494DF}">
-                <a14:hiddenLine xmlns:a14="http://schemas.microsoft.com/office/drawing/2010/main" xmlns="" w="9525">
+                <a14:hiddenLine xmlns="" xmlns:a14="http://schemas.microsoft.com/office/drawing/2010/main" w="9525">
                   <a:solidFill>
                     <a:srgbClr val="000000"/>
                   </a:solidFill>
@@ -3179,7 +3179,7 @@
             </a:ln>
             <a:extLst>
               <a:ext uri="{91240B29-F687-4f45-9708-019B960494DF}">
-                <a14:hiddenLine xmlns:a14="http://schemas.microsoft.com/office/drawing/2010/main" xmlns="" w="9525">
+                <a14:hiddenLine xmlns="" xmlns:a14="http://schemas.microsoft.com/office/drawing/2010/main" w="9525">
                   <a:solidFill>
                     <a:srgbClr val="000000"/>
                   </a:solidFill>
@@ -3247,7 +3247,7 @@
             </a:ln>
             <a:extLst>
               <a:ext uri="{91240B29-F687-4f45-9708-019B960494DF}">
-                <a14:hiddenLine xmlns:a14="http://schemas.microsoft.com/office/drawing/2010/main" xmlns="" w="9525">
+                <a14:hiddenLine xmlns="" xmlns:a14="http://schemas.microsoft.com/office/drawing/2010/main" w="9525">
                   <a:solidFill>
                     <a:srgbClr val="000000"/>
                   </a:solidFill>
@@ -3309,7 +3309,7 @@
             </a:ln>
             <a:extLst>
               <a:ext uri="{91240B29-F687-4f45-9708-019B960494DF}">
-                <a14:hiddenLine xmlns:a14="http://schemas.microsoft.com/office/drawing/2010/main" xmlns="" w="9525">
+                <a14:hiddenLine xmlns="" xmlns:a14="http://schemas.microsoft.com/office/drawing/2010/main" w="9525">
                   <a:solidFill>
                     <a:srgbClr val="000000"/>
                   </a:solidFill>
@@ -3399,7 +3399,7 @@
             </a:ln>
             <a:extLst>
               <a:ext uri="{91240B29-F687-4f45-9708-019B960494DF}">
-                <a14:hiddenLine xmlns:a14="http://schemas.microsoft.com/office/drawing/2010/main" xmlns="" w="9525">
+                <a14:hiddenLine xmlns="" xmlns:a14="http://schemas.microsoft.com/office/drawing/2010/main" w="9525">
                   <a:solidFill>
                     <a:srgbClr val="000000"/>
                   </a:solidFill>
@@ -3461,7 +3461,7 @@
             </a:ln>
             <a:extLst>
               <a:ext uri="{91240B29-F687-4f45-9708-019B960494DF}">
-                <a14:hiddenLine xmlns:a14="http://schemas.microsoft.com/office/drawing/2010/main" xmlns="" w="9525">
+                <a14:hiddenLine xmlns="" xmlns:a14="http://schemas.microsoft.com/office/drawing/2010/main" w="9525">
                   <a:solidFill>
                     <a:srgbClr val="000000"/>
                   </a:solidFill>
@@ -3551,7 +3551,7 @@
             </a:ln>
             <a:extLst>
               <a:ext uri="{91240B29-F687-4f45-9708-019B960494DF}">
-                <a14:hiddenLine xmlns:a14="http://schemas.microsoft.com/office/drawing/2010/main" xmlns="" w="9525">
+                <a14:hiddenLine xmlns="" xmlns:a14="http://schemas.microsoft.com/office/drawing/2010/main" w="9525">
                   <a:solidFill>
                     <a:srgbClr val="000000"/>
                   </a:solidFill>
@@ -3613,7 +3613,7 @@
             </a:ln>
             <a:extLst>
               <a:ext uri="{91240B29-F687-4f45-9708-019B960494DF}">
-                <a14:hiddenLine xmlns:a14="http://schemas.microsoft.com/office/drawing/2010/main" xmlns="" w="9525">
+                <a14:hiddenLine xmlns="" xmlns:a14="http://schemas.microsoft.com/office/drawing/2010/main" w="9525">
                   <a:solidFill>
                     <a:srgbClr val="000000"/>
                   </a:solidFill>
@@ -3703,7 +3703,7 @@
             </a:ln>
             <a:extLst>
               <a:ext uri="{91240B29-F687-4f45-9708-019B960494DF}">
-                <a14:hiddenLine xmlns:a14="http://schemas.microsoft.com/office/drawing/2010/main" xmlns="" w="9525">
+                <a14:hiddenLine xmlns="" xmlns:a14="http://schemas.microsoft.com/office/drawing/2010/main" w="9525">
                   <a:solidFill>
                     <a:srgbClr val="000000"/>
                   </a:solidFill>
@@ -3737,7 +3737,7 @@
             </a:ln>
             <a:extLst>
               <a:ext uri="{91240B29-F687-4f45-9708-019B960494DF}">
-                <a14:hiddenLine xmlns:a14="http://schemas.microsoft.com/office/drawing/2010/main" xmlns="" w="9525">
+                <a14:hiddenLine xmlns="" xmlns:a14="http://schemas.microsoft.com/office/drawing/2010/main" w="9525">
                   <a:solidFill>
                     <a:srgbClr val="000000"/>
                   </a:solidFill>
@@ -3802,7 +3802,7 @@
             </a:ln>
             <a:extLst>
               <a:ext uri="{91240B29-F687-4f45-9708-019B960494DF}">
-                <a14:hiddenLine xmlns:a14="http://schemas.microsoft.com/office/drawing/2010/main" xmlns="" w="9525">
+                <a14:hiddenLine xmlns="" xmlns:a14="http://schemas.microsoft.com/office/drawing/2010/main" w="9525">
                   <a:solidFill>
                     <a:srgbClr val="000000"/>
                   </a:solidFill>
@@ -3892,7 +3892,7 @@
             </a:ln>
             <a:extLst>
               <a:ext uri="{91240B29-F687-4f45-9708-019B960494DF}">
-                <a14:hiddenLine xmlns:a14="http://schemas.microsoft.com/office/drawing/2010/main" xmlns="" w="9525">
+                <a14:hiddenLine xmlns="" xmlns:a14="http://schemas.microsoft.com/office/drawing/2010/main" w="9525">
                   <a:solidFill>
                     <a:srgbClr val="000000"/>
                   </a:solidFill>
@@ -3954,7 +3954,7 @@
             </a:ln>
             <a:extLst>
               <a:ext uri="{91240B29-F687-4f45-9708-019B960494DF}">
-                <a14:hiddenLine xmlns:a14="http://schemas.microsoft.com/office/drawing/2010/main" xmlns="" w="9525">
+                <a14:hiddenLine xmlns="" xmlns:a14="http://schemas.microsoft.com/office/drawing/2010/main" w="9525">
                   <a:solidFill>
                     <a:srgbClr val="000000"/>
                   </a:solidFill>
@@ -4044,7 +4044,7 @@
             </a:ln>
             <a:extLst>
               <a:ext uri="{91240B29-F687-4f45-9708-019B960494DF}">
-                <a14:hiddenLine xmlns:a14="http://schemas.microsoft.com/office/drawing/2010/main" xmlns="" w="9525">
+                <a14:hiddenLine xmlns="" xmlns:a14="http://schemas.microsoft.com/office/drawing/2010/main" w="9525">
                   <a:solidFill>
                     <a:srgbClr val="000000"/>
                   </a:solidFill>
@@ -4134,7 +4134,7 @@
             </a:ln>
             <a:extLst>
               <a:ext uri="{91240B29-F687-4f45-9708-019B960494DF}">
-                <a14:hiddenLine xmlns:a14="http://schemas.microsoft.com/office/drawing/2010/main" xmlns="" w="9525">
+                <a14:hiddenLine xmlns="" xmlns:a14="http://schemas.microsoft.com/office/drawing/2010/main" w="9525">
                   <a:solidFill>
                     <a:srgbClr val="000000"/>
                   </a:solidFill>
@@ -4199,7 +4199,7 @@
             </a:ln>
             <a:extLst>
               <a:ext uri="{91240B29-F687-4f45-9708-019B960494DF}">
-                <a14:hiddenLine xmlns:a14="http://schemas.microsoft.com/office/drawing/2010/main" xmlns="" w="9525">
+                <a14:hiddenLine xmlns="" xmlns:a14="http://schemas.microsoft.com/office/drawing/2010/main" w="9525">
                   <a:solidFill>
                     <a:srgbClr val="000000"/>
                   </a:solidFill>
@@ -4261,7 +4261,7 @@
             </a:ln>
             <a:extLst>
               <a:ext uri="{91240B29-F687-4f45-9708-019B960494DF}">
-                <a14:hiddenLine xmlns:a14="http://schemas.microsoft.com/office/drawing/2010/main" xmlns="" w="9525">
+                <a14:hiddenLine xmlns="" xmlns:a14="http://schemas.microsoft.com/office/drawing/2010/main" w="9525">
                   <a:solidFill>
                     <a:srgbClr val="000000"/>
                   </a:solidFill>
@@ -4351,7 +4351,7 @@
             </a:ln>
             <a:extLst>
               <a:ext uri="{91240B29-F687-4f45-9708-019B960494DF}">
-                <a14:hiddenLine xmlns:a14="http://schemas.microsoft.com/office/drawing/2010/main" xmlns="" w="9525">
+                <a14:hiddenLine xmlns="" xmlns:a14="http://schemas.microsoft.com/office/drawing/2010/main" w="9525">
                   <a:solidFill>
                     <a:srgbClr val="000000"/>
                   </a:solidFill>
@@ -4441,7 +4441,7 @@
             </a:ln>
             <a:extLst>
               <a:ext uri="{91240B29-F687-4f45-9708-019B960494DF}">
-                <a14:hiddenLine xmlns:a14="http://schemas.microsoft.com/office/drawing/2010/main" xmlns="" w="9525">
+                <a14:hiddenLine xmlns="" xmlns:a14="http://schemas.microsoft.com/office/drawing/2010/main" w="9525">
                   <a:solidFill>
                     <a:srgbClr val="000000"/>
                   </a:solidFill>
@@ -4503,7 +4503,7 @@
             </a:ln>
             <a:extLst>
               <a:ext uri="{91240B29-F687-4f45-9708-019B960494DF}">
-                <a14:hiddenLine xmlns:a14="http://schemas.microsoft.com/office/drawing/2010/main" xmlns="" w="9525">
+                <a14:hiddenLine xmlns="" xmlns:a14="http://schemas.microsoft.com/office/drawing/2010/main" w="9525">
                   <a:solidFill>
                     <a:srgbClr val="000000"/>
                   </a:solidFill>
@@ -4623,7 +4623,7 @@
             </a:ln>
             <a:extLst>
               <a:ext uri="{91240B29-F687-4f45-9708-019B960494DF}">
-                <a14:hiddenLine xmlns:a14="http://schemas.microsoft.com/office/drawing/2010/main" xmlns="" w="9525">
+                <a14:hiddenLine xmlns="" xmlns:a14="http://schemas.microsoft.com/office/drawing/2010/main" w="9525">
                   <a:solidFill>
                     <a:srgbClr val="000000"/>
                   </a:solidFill>
@@ -4691,7 +4691,7 @@
             </a:ln>
             <a:extLst>
               <a:ext uri="{91240B29-F687-4f45-9708-019B960494DF}">
-                <a14:hiddenLine xmlns:a14="http://schemas.microsoft.com/office/drawing/2010/main" xmlns="" w="9525">
+                <a14:hiddenLine xmlns="" xmlns:a14="http://schemas.microsoft.com/office/drawing/2010/main" w="9525">
                   <a:solidFill>
                     <a:srgbClr val="000000"/>
                   </a:solidFill>
@@ -4781,7 +4781,7 @@
             </a:ln>
             <a:extLst>
               <a:ext uri="{91240B29-F687-4f45-9708-019B960494DF}">
-                <a14:hiddenLine xmlns:a14="http://schemas.microsoft.com/office/drawing/2010/main" xmlns="" w="9525">
+                <a14:hiddenLine xmlns="" xmlns:a14="http://schemas.microsoft.com/office/drawing/2010/main" w="9525">
                   <a:solidFill>
                     <a:srgbClr val="000000"/>
                   </a:solidFill>
@@ -9588,7 +9588,7 @@
           <a:noFill/>
           <a:extLst>
             <a:ext uri="{909E8E84-426E-40dd-AFC4-6F175D3DCCD1}">
-              <a14:hiddenFill xmlns:a14="http://schemas.microsoft.com/office/drawing/2010/main" xmlns="">
+              <a14:hiddenFill xmlns="" xmlns:a14="http://schemas.microsoft.com/office/drawing/2010/main">
                 <a:solidFill>
                   <a:srgbClr val="FFFFFF"/>
                 </a:solidFill>
@@ -9662,7 +9662,7 @@
               </a:ln>
               <a:extLst>
                 <a:ext uri="{91240B29-F687-4f45-9708-019B960494DF}">
-                  <a14:hiddenLine xmlns:a14="http://schemas.microsoft.com/office/drawing/2010/main" xmlns="" w="9525">
+                  <a14:hiddenLine xmlns="" xmlns:a14="http://schemas.microsoft.com/office/drawing/2010/main" w="9525">
                     <a:solidFill>
                       <a:srgbClr val="000000"/>
                     </a:solidFill>
@@ -9752,7 +9752,7 @@
               </a:ln>
               <a:extLst>
                 <a:ext uri="{91240B29-F687-4f45-9708-019B960494DF}">
-                  <a14:hiddenLine xmlns:a14="http://schemas.microsoft.com/office/drawing/2010/main" xmlns="" w="9525">
+                  <a14:hiddenLine xmlns="" xmlns:a14="http://schemas.microsoft.com/office/drawing/2010/main" w="9525">
                     <a:solidFill>
                       <a:srgbClr val="000000"/>
                     </a:solidFill>
@@ -9842,7 +9842,7 @@
               </a:ln>
               <a:extLst>
                 <a:ext uri="{91240B29-F687-4f45-9708-019B960494DF}">
-                  <a14:hiddenLine xmlns:a14="http://schemas.microsoft.com/office/drawing/2010/main" xmlns="" w="9525">
+                  <a14:hiddenLine xmlns="" xmlns:a14="http://schemas.microsoft.com/office/drawing/2010/main" w="9525">
                     <a:solidFill>
                       <a:srgbClr val="000000"/>
                     </a:solidFill>
@@ -9904,7 +9904,7 @@
               </a:ln>
               <a:extLst>
                 <a:ext uri="{91240B29-F687-4f45-9708-019B960494DF}">
-                  <a14:hiddenLine xmlns:a14="http://schemas.microsoft.com/office/drawing/2010/main" xmlns="" w="9525">
+                  <a14:hiddenLine xmlns="" xmlns:a14="http://schemas.microsoft.com/office/drawing/2010/main" w="9525">
                     <a:solidFill>
                       <a:srgbClr val="000000"/>
                     </a:solidFill>
@@ -9994,7 +9994,7 @@
               </a:ln>
               <a:extLst>
                 <a:ext uri="{91240B29-F687-4f45-9708-019B960494DF}">
-                  <a14:hiddenLine xmlns:a14="http://schemas.microsoft.com/office/drawing/2010/main" xmlns="" w="9525">
+                  <a14:hiddenLine xmlns="" xmlns:a14="http://schemas.microsoft.com/office/drawing/2010/main" w="9525">
                     <a:solidFill>
                       <a:srgbClr val="000000"/>
                     </a:solidFill>
@@ -10056,7 +10056,7 @@
               </a:ln>
               <a:extLst>
                 <a:ext uri="{91240B29-F687-4f45-9708-019B960494DF}">
-                  <a14:hiddenLine xmlns:a14="http://schemas.microsoft.com/office/drawing/2010/main" xmlns="" w="9525">
+                  <a14:hiddenLine xmlns="" xmlns:a14="http://schemas.microsoft.com/office/drawing/2010/main" w="9525">
                     <a:solidFill>
                       <a:srgbClr val="000000"/>
                     </a:solidFill>
@@ -10118,7 +10118,7 @@
               </a:ln>
               <a:extLst>
                 <a:ext uri="{91240B29-F687-4f45-9708-019B960494DF}">
-                  <a14:hiddenLine xmlns:a14="http://schemas.microsoft.com/office/drawing/2010/main" xmlns="" w="9525">
+                  <a14:hiddenLine xmlns="" xmlns:a14="http://schemas.microsoft.com/office/drawing/2010/main" w="9525">
                     <a:solidFill>
                       <a:srgbClr val="000000"/>
                     </a:solidFill>
@@ -10208,7 +10208,7 @@
               </a:ln>
               <a:extLst>
                 <a:ext uri="{91240B29-F687-4f45-9708-019B960494DF}">
-                  <a14:hiddenLine xmlns:a14="http://schemas.microsoft.com/office/drawing/2010/main" xmlns="" w="9525">
+                  <a14:hiddenLine xmlns="" xmlns:a14="http://schemas.microsoft.com/office/drawing/2010/main" w="9525">
                     <a:solidFill>
                       <a:srgbClr val="000000"/>
                     </a:solidFill>
@@ -10298,7 +10298,7 @@
               </a:ln>
               <a:extLst>
                 <a:ext uri="{91240B29-F687-4f45-9708-019B960494DF}">
-                  <a14:hiddenLine xmlns:a14="http://schemas.microsoft.com/office/drawing/2010/main" xmlns="" w="9525">
+                  <a14:hiddenLine xmlns="" xmlns:a14="http://schemas.microsoft.com/office/drawing/2010/main" w="9525">
                     <a:solidFill>
                       <a:srgbClr val="000000"/>
                     </a:solidFill>
@@ -10360,7 +10360,7 @@
               </a:ln>
               <a:extLst>
                 <a:ext uri="{91240B29-F687-4f45-9708-019B960494DF}">
-                  <a14:hiddenLine xmlns:a14="http://schemas.microsoft.com/office/drawing/2010/main" xmlns="" w="9525">
+                  <a14:hiddenLine xmlns="" xmlns:a14="http://schemas.microsoft.com/office/drawing/2010/main" w="9525">
                     <a:solidFill>
                       <a:srgbClr val="000000"/>
                     </a:solidFill>
@@ -10470,7 +10470,7 @@
               </a:ln>
               <a:extLst>
                 <a:ext uri="{91240B29-F687-4f45-9708-019B960494DF}">
-                  <a14:hiddenLine xmlns:a14="http://schemas.microsoft.com/office/drawing/2010/main" xmlns="" w="9525">
+                  <a14:hiddenLine xmlns="" xmlns:a14="http://schemas.microsoft.com/office/drawing/2010/main" w="9525">
                     <a:solidFill>
                       <a:srgbClr val="000000"/>
                     </a:solidFill>
@@ -10554,7 +10554,7 @@
               </a:ln>
               <a:extLst>
                 <a:ext uri="{91240B29-F687-4f45-9708-019B960494DF}">
-                  <a14:hiddenLine xmlns:a14="http://schemas.microsoft.com/office/drawing/2010/main" xmlns="" w="9525">
+                  <a14:hiddenLine xmlns="" xmlns:a14="http://schemas.microsoft.com/office/drawing/2010/main" w="9525">
                     <a:solidFill>
                       <a:srgbClr val="000000"/>
                     </a:solidFill>
@@ -10616,7 +10616,7 @@
               </a:ln>
               <a:extLst>
                 <a:ext uri="{91240B29-F687-4f45-9708-019B960494DF}">
-                  <a14:hiddenLine xmlns:a14="http://schemas.microsoft.com/office/drawing/2010/main" xmlns="" w="9525">
+                  <a14:hiddenLine xmlns="" xmlns:a14="http://schemas.microsoft.com/office/drawing/2010/main" w="9525">
                     <a:solidFill>
                       <a:srgbClr val="000000"/>
                     </a:solidFill>
@@ -10678,7 +10678,7 @@
               </a:ln>
               <a:extLst>
                 <a:ext uri="{91240B29-F687-4f45-9708-019B960494DF}">
-                  <a14:hiddenLine xmlns:a14="http://schemas.microsoft.com/office/drawing/2010/main" xmlns="" w="9525">
+                  <a14:hiddenLine xmlns="" xmlns:a14="http://schemas.microsoft.com/office/drawing/2010/main" w="9525">
                     <a:solidFill>
                       <a:srgbClr val="000000"/>
                     </a:solidFill>
@@ -10768,7 +10768,7 @@
               </a:ln>
               <a:extLst>
                 <a:ext uri="{91240B29-F687-4f45-9708-019B960494DF}">
-                  <a14:hiddenLine xmlns:a14="http://schemas.microsoft.com/office/drawing/2010/main" xmlns="" w="9525">
+                  <a14:hiddenLine xmlns="" xmlns:a14="http://schemas.microsoft.com/office/drawing/2010/main" w="9525">
                     <a:solidFill>
                       <a:srgbClr val="000000"/>
                     </a:solidFill>
@@ -10802,7 +10802,7 @@
               </a:ln>
               <a:extLst>
                 <a:ext uri="{91240B29-F687-4f45-9708-019B960494DF}">
-                  <a14:hiddenLine xmlns:a14="http://schemas.microsoft.com/office/drawing/2010/main" xmlns="" w="9525">
+                  <a14:hiddenLine xmlns="" xmlns:a14="http://schemas.microsoft.com/office/drawing/2010/main" w="9525">
                     <a:solidFill>
                       <a:srgbClr val="000000"/>
                     </a:solidFill>
@@ -10867,7 +10867,7 @@
               </a:ln>
               <a:extLst>
                 <a:ext uri="{91240B29-F687-4f45-9708-019B960494DF}">
-                  <a14:hiddenLine xmlns:a14="http://schemas.microsoft.com/office/drawing/2010/main" xmlns="" w="9525">
+                  <a14:hiddenLine xmlns="" xmlns:a14="http://schemas.microsoft.com/office/drawing/2010/main" w="9525">
                     <a:solidFill>
                       <a:srgbClr val="000000"/>
                     </a:solidFill>
@@ -10957,7 +10957,7 @@
               </a:ln>
               <a:extLst>
                 <a:ext uri="{91240B29-F687-4f45-9708-019B960494DF}">
-                  <a14:hiddenLine xmlns:a14="http://schemas.microsoft.com/office/drawing/2010/main" xmlns="" w="9525">
+                  <a14:hiddenLine xmlns="" xmlns:a14="http://schemas.microsoft.com/office/drawing/2010/main" w="9525">
                     <a:solidFill>
                       <a:srgbClr val="000000"/>
                     </a:solidFill>
@@ -11019,7 +11019,7 @@
               </a:ln>
               <a:extLst>
                 <a:ext uri="{91240B29-F687-4f45-9708-019B960494DF}">
-                  <a14:hiddenLine xmlns:a14="http://schemas.microsoft.com/office/drawing/2010/main" xmlns="" w="9525">
+                  <a14:hiddenLine xmlns="" xmlns:a14="http://schemas.microsoft.com/office/drawing/2010/main" w="9525">
                     <a:solidFill>
                       <a:srgbClr val="000000"/>
                     </a:solidFill>
@@ -11109,7 +11109,7 @@
               </a:ln>
               <a:extLst>
                 <a:ext uri="{91240B29-F687-4f45-9708-019B960494DF}">
-                  <a14:hiddenLine xmlns:a14="http://schemas.microsoft.com/office/drawing/2010/main" xmlns="" w="9525">
+                  <a14:hiddenLine xmlns="" xmlns:a14="http://schemas.microsoft.com/office/drawing/2010/main" w="9525">
                     <a:solidFill>
                       <a:srgbClr val="000000"/>
                     </a:solidFill>
@@ -11174,7 +11174,7 @@
               </a:ln>
               <a:extLst>
                 <a:ext uri="{91240B29-F687-4f45-9708-019B960494DF}">
-                  <a14:hiddenLine xmlns:a14="http://schemas.microsoft.com/office/drawing/2010/main" xmlns="" w="9525">
+                  <a14:hiddenLine xmlns="" xmlns:a14="http://schemas.microsoft.com/office/drawing/2010/main" w="9525">
                     <a:solidFill>
                       <a:srgbClr val="000000"/>
                     </a:solidFill>
@@ -11236,7 +11236,7 @@
               </a:ln>
               <a:extLst>
                 <a:ext uri="{91240B29-F687-4f45-9708-019B960494DF}">
-                  <a14:hiddenLine xmlns:a14="http://schemas.microsoft.com/office/drawing/2010/main" xmlns="" w="9525">
+                  <a14:hiddenLine xmlns="" xmlns:a14="http://schemas.microsoft.com/office/drawing/2010/main" w="9525">
                     <a:solidFill>
                       <a:srgbClr val="000000"/>
                     </a:solidFill>
@@ -11326,7 +11326,7 @@
               </a:ln>
               <a:extLst>
                 <a:ext uri="{91240B29-F687-4f45-9708-019B960494DF}">
-                  <a14:hiddenLine xmlns:a14="http://schemas.microsoft.com/office/drawing/2010/main" xmlns="" w="9525">
+                  <a14:hiddenLine xmlns="" xmlns:a14="http://schemas.microsoft.com/office/drawing/2010/main" w="9525">
                     <a:solidFill>
                       <a:srgbClr val="000000"/>
                     </a:solidFill>
@@ -11416,7 +11416,7 @@
               </a:ln>
               <a:extLst>
                 <a:ext uri="{91240B29-F687-4f45-9708-019B960494DF}">
-                  <a14:hiddenLine xmlns:a14="http://schemas.microsoft.com/office/drawing/2010/main" xmlns="" w="9525">
+                  <a14:hiddenLine xmlns="" xmlns:a14="http://schemas.microsoft.com/office/drawing/2010/main" w="9525">
                     <a:solidFill>
                       <a:srgbClr val="000000"/>
                     </a:solidFill>
@@ -11481,7 +11481,7 @@
               </a:ln>
               <a:extLst>
                 <a:ext uri="{91240B29-F687-4f45-9708-019B960494DF}">
-                  <a14:hiddenLine xmlns:a14="http://schemas.microsoft.com/office/drawing/2010/main" xmlns="" w="9525">
+                  <a14:hiddenLine xmlns="" xmlns:a14="http://schemas.microsoft.com/office/drawing/2010/main" w="9525">
                     <a:solidFill>
                       <a:srgbClr val="000000"/>
                     </a:solidFill>
@@ -11601,7 +11601,7 @@
               </a:ln>
               <a:extLst>
                 <a:ext uri="{91240B29-F687-4f45-9708-019B960494DF}">
-                  <a14:hiddenLine xmlns:a14="http://schemas.microsoft.com/office/drawing/2010/main" xmlns="" w="9525">
+                  <a14:hiddenLine xmlns="" xmlns:a14="http://schemas.microsoft.com/office/drawing/2010/main" w="9525">
                     <a:solidFill>
                       <a:srgbClr val="000000"/>
                     </a:solidFill>
@@ -11699,7 +11699,7 @@
               </a:ln>
               <a:extLst>
                 <a:ext uri="{91240B29-F687-4f45-9708-019B960494DF}">
-                  <a14:hiddenLine xmlns:a14="http://schemas.microsoft.com/office/drawing/2010/main" xmlns="" w="9525">
+                  <a14:hiddenLine xmlns="" xmlns:a14="http://schemas.microsoft.com/office/drawing/2010/main" w="9525">
                     <a:solidFill>
                       <a:srgbClr val="000000"/>
                     </a:solidFill>
@@ -11814,7 +11814,7 @@
               </a:ln>
               <a:extLst>
                 <a:ext uri="{91240B29-F687-4f45-9708-019B960494DF}">
-                  <a14:hiddenLine xmlns:a14="http://schemas.microsoft.com/office/drawing/2010/main" xmlns="" w="9525">
+                  <a14:hiddenLine xmlns="" xmlns:a14="http://schemas.microsoft.com/office/drawing/2010/main" w="9525">
                     <a:solidFill>
                       <a:srgbClr val="000000"/>
                     </a:solidFill>
@@ -11904,7 +11904,7 @@
               </a:ln>
               <a:extLst>
                 <a:ext uri="{91240B29-F687-4f45-9708-019B960494DF}">
-                  <a14:hiddenLine xmlns:a14="http://schemas.microsoft.com/office/drawing/2010/main" xmlns="" w="9525">
+                  <a14:hiddenLine xmlns="" xmlns:a14="http://schemas.microsoft.com/office/drawing/2010/main" w="9525">
                     <a:solidFill>
                       <a:srgbClr val="000000"/>
                     </a:solidFill>
@@ -11969,7 +11969,7 @@
               </a:ln>
               <a:extLst>
                 <a:ext uri="{91240B29-F687-4f45-9708-019B960494DF}">
-                  <a14:hiddenLine xmlns:a14="http://schemas.microsoft.com/office/drawing/2010/main" xmlns="" w="9525">
+                  <a14:hiddenLine xmlns="" xmlns:a14="http://schemas.microsoft.com/office/drawing/2010/main" w="9525">
                     <a:solidFill>
                       <a:srgbClr val="000000"/>
                     </a:solidFill>
@@ -12059,7 +12059,7 @@
               </a:ln>
               <a:extLst>
                 <a:ext uri="{91240B29-F687-4f45-9708-019B960494DF}">
-                  <a14:hiddenLine xmlns:a14="http://schemas.microsoft.com/office/drawing/2010/main" xmlns="" w="9525">
+                  <a14:hiddenLine xmlns="" xmlns:a14="http://schemas.microsoft.com/office/drawing/2010/main" w="9525">
                     <a:solidFill>
                       <a:srgbClr val="000000"/>
                     </a:solidFill>
@@ -12127,7 +12127,7 @@
               </a:ln>
               <a:extLst>
                 <a:ext uri="{91240B29-F687-4f45-9708-019B960494DF}">
-                  <a14:hiddenLine xmlns:a14="http://schemas.microsoft.com/office/drawing/2010/main" xmlns="" w="9525">
+                  <a14:hiddenLine xmlns="" xmlns:a14="http://schemas.microsoft.com/office/drawing/2010/main" w="9525">
                     <a:solidFill>
                       <a:srgbClr val="000000"/>
                     </a:solidFill>
@@ -12217,7 +12217,7 @@
               </a:ln>
               <a:extLst>
                 <a:ext uri="{91240B29-F687-4f45-9708-019B960494DF}">
-                  <a14:hiddenLine xmlns:a14="http://schemas.microsoft.com/office/drawing/2010/main" xmlns="" w="9525">
+                  <a14:hiddenLine xmlns="" xmlns:a14="http://schemas.microsoft.com/office/drawing/2010/main" w="9525">
                     <a:solidFill>
                       <a:srgbClr val="000000"/>
                     </a:solidFill>
@@ -12285,7 +12285,7 @@
               </a:ln>
               <a:extLst>
                 <a:ext uri="{91240B29-F687-4f45-9708-019B960494DF}">
-                  <a14:hiddenLine xmlns:a14="http://schemas.microsoft.com/office/drawing/2010/main" xmlns="" w="9525">
+                  <a14:hiddenLine xmlns="" xmlns:a14="http://schemas.microsoft.com/office/drawing/2010/main" w="9525">
                     <a:solidFill>
                       <a:srgbClr val="000000"/>
                     </a:solidFill>
@@ -12375,7 +12375,7 @@
               </a:ln>
               <a:extLst>
                 <a:ext uri="{91240B29-F687-4f45-9708-019B960494DF}">
-                  <a14:hiddenLine xmlns:a14="http://schemas.microsoft.com/office/drawing/2010/main" xmlns="" w="9525">
+                  <a14:hiddenLine xmlns="" xmlns:a14="http://schemas.microsoft.com/office/drawing/2010/main" w="9525">
                     <a:solidFill>
                       <a:srgbClr val="000000"/>
                     </a:solidFill>
@@ -12409,7 +12409,7 @@
               </a:ln>
               <a:extLst>
                 <a:ext uri="{91240B29-F687-4f45-9708-019B960494DF}">
-                  <a14:hiddenLine xmlns:a14="http://schemas.microsoft.com/office/drawing/2010/main" xmlns="" w="9525">
+                  <a14:hiddenLine xmlns="" xmlns:a14="http://schemas.microsoft.com/office/drawing/2010/main" w="9525">
                     <a:solidFill>
                       <a:srgbClr val="000000"/>
                     </a:solidFill>
@@ -12990,7 +12990,12 @@
             <p:ph type="ctrTitle"/>
           </p:nvPr>
         </p:nvSpPr>
-        <p:spPr/>
+        <p:spPr>
+          <a:xfrm>
+            <a:off x="1876424" y="1122363"/>
+            <a:ext cx="9526144" cy="2387600"/>
+          </a:xfrm>
+        </p:spPr>
         <p:txBody>
           <a:bodyPr/>
           <a:lstStyle/>
@@ -13141,7 +13146,7 @@
             </a:pPr>
             <a:r>
               <a:rPr lang="ru-RU" sz="3600" dirty="0"/>
-              <a:t>Я создал программу для сокрытия текста в изображениях с возможностью его расшифровки с помощью стеганографии.</a:t>
+              <a:t>Была создана программу для сокрытия текста в изображениях с возможностью его расшифровки с помощью стеганографии.</a:t>
             </a:r>
           </a:p>
         </p:txBody>
@@ -13626,7 +13631,7 @@
           <a:p>
             <a:r>
               <a:rPr lang="ru-RU" sz="2800" dirty="0"/>
-              <a:t>Реализовать приложение, в котором пользователь сможет прятать текст в изображениях, скрывая сам факт передачи информации. А также находить такой скрытый таким образом текст в изображениях.</a:t>
+              <a:t>Реализовать приложение, в котором пользователь сможет прятать текст в изображениях, скрывая сам факт передачи информации. А также находить скрытый таким образом текст в изображениях.</a:t>
             </a:r>
           </a:p>
         </p:txBody>
@@ -13732,7 +13737,7 @@
             </a:r>
             <a:r>
               <a:rPr lang="ru-RU" dirty="0"/>
-              <a:t>и возможностей их взлома с каждым днём становится всё сложнее и сложнее защищать информацию. Как извести лучший способ что-то скрыть - это спрятать на видном месте, например в одной из фотографий. Для этого и создано моё приложение.</a:t>
+              <a:t>и возможностей их взлома, с каждым днём становится всё сложнее и сложнее защищать информацию. Как известно, лучший способ что-то скрыть - это спрятать на видном месте, например в одной из фотографий. Для этого и создано моё приложение.</a:t>
             </a:r>
           </a:p>
         </p:txBody>
@@ -14175,7 +14180,7 @@
         </p:blipFill>
         <p:spPr bwMode="auto">
           <a:xfrm>
-            <a:off x="5394591" y="3822555"/>
+            <a:off x="5476887" y="3822553"/>
             <a:ext cx="3155048" cy="2391569"/>
           </a:xfrm>
           <a:prstGeom prst="rect">
@@ -14222,7 +14227,7 @@
         </p:blipFill>
         <p:spPr bwMode="auto">
           <a:xfrm>
-            <a:off x="8339677" y="4076411"/>
+            <a:off x="8284813" y="4076409"/>
             <a:ext cx="3767709" cy="1883855"/>
           </a:xfrm>
           <a:prstGeom prst="rect">
@@ -14288,7 +14293,7 @@
         </p:nvSpPr>
         <p:spPr>
           <a:xfrm>
-            <a:off x="863942" y="115598"/>
+            <a:off x="1143001" y="219456"/>
             <a:ext cx="9905998" cy="1478570"/>
           </a:xfrm>
         </p:spPr>
@@ -14326,7 +14331,7 @@
         </p:blipFill>
         <p:spPr>
           <a:xfrm>
-            <a:off x="2745906" y="1242850"/>
+            <a:off x="2747495" y="1453162"/>
             <a:ext cx="6697010" cy="5048955"/>
           </a:xfrm>
           <a:prstGeom prst="rect">
